--- a/assets/brand.pptx
+++ b/assets/brand.pptx
@@ -2,18 +2,18 @@
 <file path=ppt/presentation.xml><?xml version="1.0" encoding="utf-8"?>
 <p:presentation xmlns:a="http://schemas.openxmlformats.org/drawingml/2006/main" xmlns:r="http://schemas.openxmlformats.org/officeDocument/2006/relationships" xmlns:p="http://schemas.openxmlformats.org/presentationml/2006/main" saveSubsetFonts="1" autoCompressPictures="0">
   <p:sldMasterIdLst>
-    <p:sldMasterId id="2147483648" r:id="rId1"/>
+    <p:sldMasterId id="2147483660" r:id="rId1"/>
   </p:sldMasterIdLst>
   <p:sldIdLst>
     <p:sldId id="256" r:id="rId2"/>
   </p:sldIdLst>
-  <p:sldSz cx="12192000" cy="6858000"/>
+  <p:sldSz cx="18000663" cy="7199313"/>
   <p:notesSz cx="6858000" cy="9144000"/>
   <p:defaultTextStyle>
     <a:defPPr>
       <a:defRPr lang="en-US"/>
     </a:defPPr>
-    <a:lvl1pPr marL="0" algn="l" defTabSz="914400" rtl="0" eaLnBrk="1" latinLnBrk="0" hangingPunct="1">
+    <a:lvl1pPr marL="0" algn="l" defTabSz="457200" rtl="0" eaLnBrk="1" latinLnBrk="0" hangingPunct="1">
       <a:defRPr sz="1800" kern="1200">
         <a:solidFill>
           <a:schemeClr val="tx1"/>
@@ -23,7 +23,7 @@
         <a:cs typeface="+mn-cs"/>
       </a:defRPr>
     </a:lvl1pPr>
-    <a:lvl2pPr marL="457200" algn="l" defTabSz="914400" rtl="0" eaLnBrk="1" latinLnBrk="0" hangingPunct="1">
+    <a:lvl2pPr marL="457200" algn="l" defTabSz="457200" rtl="0" eaLnBrk="1" latinLnBrk="0" hangingPunct="1">
       <a:defRPr sz="1800" kern="1200">
         <a:solidFill>
           <a:schemeClr val="tx1"/>
@@ -33,7 +33,7 @@
         <a:cs typeface="+mn-cs"/>
       </a:defRPr>
     </a:lvl2pPr>
-    <a:lvl3pPr marL="914400" algn="l" defTabSz="914400" rtl="0" eaLnBrk="1" latinLnBrk="0" hangingPunct="1">
+    <a:lvl3pPr marL="914400" algn="l" defTabSz="457200" rtl="0" eaLnBrk="1" latinLnBrk="0" hangingPunct="1">
       <a:defRPr sz="1800" kern="1200">
         <a:solidFill>
           <a:schemeClr val="tx1"/>
@@ -43,7 +43,7 @@
         <a:cs typeface="+mn-cs"/>
       </a:defRPr>
     </a:lvl3pPr>
-    <a:lvl4pPr marL="1371600" algn="l" defTabSz="914400" rtl="0" eaLnBrk="1" latinLnBrk="0" hangingPunct="1">
+    <a:lvl4pPr marL="1371600" algn="l" defTabSz="457200" rtl="0" eaLnBrk="1" latinLnBrk="0" hangingPunct="1">
       <a:defRPr sz="1800" kern="1200">
         <a:solidFill>
           <a:schemeClr val="tx1"/>
@@ -53,7 +53,7 @@
         <a:cs typeface="+mn-cs"/>
       </a:defRPr>
     </a:lvl4pPr>
-    <a:lvl5pPr marL="1828800" algn="l" defTabSz="914400" rtl="0" eaLnBrk="1" latinLnBrk="0" hangingPunct="1">
+    <a:lvl5pPr marL="1828800" algn="l" defTabSz="457200" rtl="0" eaLnBrk="1" latinLnBrk="0" hangingPunct="1">
       <a:defRPr sz="1800" kern="1200">
         <a:solidFill>
           <a:schemeClr val="tx1"/>
@@ -63,7 +63,7 @@
         <a:cs typeface="+mn-cs"/>
       </a:defRPr>
     </a:lvl5pPr>
-    <a:lvl6pPr marL="2286000" algn="l" defTabSz="914400" rtl="0" eaLnBrk="1" latinLnBrk="0" hangingPunct="1">
+    <a:lvl6pPr marL="2286000" algn="l" defTabSz="457200" rtl="0" eaLnBrk="1" latinLnBrk="0" hangingPunct="1">
       <a:defRPr sz="1800" kern="1200">
         <a:solidFill>
           <a:schemeClr val="tx1"/>
@@ -73,7 +73,7 @@
         <a:cs typeface="+mn-cs"/>
       </a:defRPr>
     </a:lvl6pPr>
-    <a:lvl7pPr marL="2743200" algn="l" defTabSz="914400" rtl="0" eaLnBrk="1" latinLnBrk="0" hangingPunct="1">
+    <a:lvl7pPr marL="2743200" algn="l" defTabSz="457200" rtl="0" eaLnBrk="1" latinLnBrk="0" hangingPunct="1">
       <a:defRPr sz="1800" kern="1200">
         <a:solidFill>
           <a:schemeClr val="tx1"/>
@@ -83,7 +83,7 @@
         <a:cs typeface="+mn-cs"/>
       </a:defRPr>
     </a:lvl7pPr>
-    <a:lvl8pPr marL="3200400" algn="l" defTabSz="914400" rtl="0" eaLnBrk="1" latinLnBrk="0" hangingPunct="1">
+    <a:lvl8pPr marL="3200400" algn="l" defTabSz="457200" rtl="0" eaLnBrk="1" latinLnBrk="0" hangingPunct="1">
       <a:defRPr sz="1800" kern="1200">
         <a:solidFill>
           <a:schemeClr val="tx1"/>
@@ -93,7 +93,7 @@
         <a:cs typeface="+mn-cs"/>
       </a:defRPr>
     </a:lvl8pPr>
-    <a:lvl9pPr marL="3657600" algn="l" defTabSz="914400" rtl="0" eaLnBrk="1" latinLnBrk="0" hangingPunct="1">
+    <a:lvl9pPr marL="3657600" algn="l" defTabSz="457200" rtl="0" eaLnBrk="1" latinLnBrk="0" hangingPunct="1">
       <a:defRPr sz="1800" kern="1200">
         <a:solidFill>
           <a:schemeClr val="tx1"/>
@@ -104,6 +104,11 @@
       </a:defRPr>
     </a:lvl9pPr>
   </p:defaultTextStyle>
+  <p:extLst>
+    <p:ext uri="{EFAFB233-063F-42B5-8137-9DF3F51BA10A}">
+      <p15:sldGuideLst xmlns:p15="http://schemas.microsoft.com/office/powerpoint/2012/main"/>
+    </p:ext>
+  </p:extLst>
 </p:presentation>
 </file>
 
@@ -126,13 +131,7 @@
       </p:grpSpPr>
       <p:sp>
         <p:nvSpPr>
-          <p:cNvPr id="2" name="Title 1">
-            <a:extLst>
-              <a:ext uri="{FF2B5EF4-FFF2-40B4-BE49-F238E27FC236}">
-                <a16:creationId xmlns:a16="http://schemas.microsoft.com/office/drawing/2014/main" id="{1600C888-6754-807C-64C5-4C9705DE5D2E}"/>
-              </a:ext>
-            </a:extLst>
-          </p:cNvPr>
+          <p:cNvPr id="2" name="Title 1"/>
           <p:cNvSpPr>
             <a:spLocks noGrp="1"/>
           </p:cNvSpPr>
@@ -142,15 +141,15 @@
         </p:nvSpPr>
         <p:spPr>
           <a:xfrm>
-            <a:off x="1524000" y="1122363"/>
-            <a:ext cx="9144000" cy="2387600"/>
+            <a:off x="2250083" y="1178222"/>
+            <a:ext cx="13500497" cy="2506427"/>
           </a:xfrm>
         </p:spPr>
         <p:txBody>
           <a:bodyPr anchor="b"/>
           <a:lstStyle>
             <a:lvl1pPr algn="ctr">
-              <a:defRPr sz="6000"/>
+              <a:defRPr sz="6299"/>
             </a:lvl1pPr>
           </a:lstStyle>
           <a:p>
@@ -158,18 +157,13 @@
               <a:rPr lang="en-US"/>
               <a:t>Click to edit Master title style</a:t>
             </a:r>
-          </a:p>
-        </p:txBody>
-      </p:sp>
-      <p:sp>
-        <p:nvSpPr>
-          <p:cNvPr id="3" name="Subtitle 2">
-            <a:extLst>
-              <a:ext uri="{FF2B5EF4-FFF2-40B4-BE49-F238E27FC236}">
-                <a16:creationId xmlns:a16="http://schemas.microsoft.com/office/drawing/2014/main" id="{D8090CE9-B97E-B449-7194-EBE2C9158503}"/>
-              </a:ext>
-            </a:extLst>
-          </p:cNvPr>
+            <a:endParaRPr lang="en-US" dirty="0"/>
+          </a:p>
+        </p:txBody>
+      </p:sp>
+      <p:sp>
+        <p:nvSpPr>
+          <p:cNvPr id="3" name="Subtitle 2"/>
           <p:cNvSpPr>
             <a:spLocks noGrp="1"/>
           </p:cNvSpPr>
@@ -179,8 +173,8 @@
         </p:nvSpPr>
         <p:spPr>
           <a:xfrm>
-            <a:off x="1524000" y="3602038"/>
-            <a:ext cx="9144000" cy="1655762"/>
+            <a:off x="2250083" y="3781306"/>
+            <a:ext cx="13500497" cy="1738167"/>
           </a:xfrm>
         </p:spPr>
         <p:txBody>
@@ -188,39 +182,39 @@
           <a:lstStyle>
             <a:lvl1pPr marL="0" indent="0" algn="ctr">
               <a:buNone/>
-              <a:defRPr sz="2400"/>
+              <a:defRPr sz="2520"/>
             </a:lvl1pPr>
-            <a:lvl2pPr marL="457200" indent="0" algn="ctr">
-              <a:buNone/>
-              <a:defRPr sz="2000"/>
+            <a:lvl2pPr marL="479969" indent="0" algn="ctr">
+              <a:buNone/>
+              <a:defRPr sz="2100"/>
             </a:lvl2pPr>
-            <a:lvl3pPr marL="914400" indent="0" algn="ctr">
-              <a:buNone/>
-              <a:defRPr sz="1800"/>
+            <a:lvl3pPr marL="959937" indent="0" algn="ctr">
+              <a:buNone/>
+              <a:defRPr sz="1890"/>
             </a:lvl3pPr>
-            <a:lvl4pPr marL="1371600" indent="0" algn="ctr">
-              <a:buNone/>
-              <a:defRPr sz="1600"/>
+            <a:lvl4pPr marL="1439906" indent="0" algn="ctr">
+              <a:buNone/>
+              <a:defRPr sz="1680"/>
             </a:lvl4pPr>
-            <a:lvl5pPr marL="1828800" indent="0" algn="ctr">
-              <a:buNone/>
-              <a:defRPr sz="1600"/>
+            <a:lvl5pPr marL="1919874" indent="0" algn="ctr">
+              <a:buNone/>
+              <a:defRPr sz="1680"/>
             </a:lvl5pPr>
-            <a:lvl6pPr marL="2286000" indent="0" algn="ctr">
-              <a:buNone/>
-              <a:defRPr sz="1600"/>
+            <a:lvl6pPr marL="2399843" indent="0" algn="ctr">
+              <a:buNone/>
+              <a:defRPr sz="1680"/>
             </a:lvl6pPr>
-            <a:lvl7pPr marL="2743200" indent="0" algn="ctr">
-              <a:buNone/>
-              <a:defRPr sz="1600"/>
+            <a:lvl7pPr marL="2879811" indent="0" algn="ctr">
+              <a:buNone/>
+              <a:defRPr sz="1680"/>
             </a:lvl7pPr>
-            <a:lvl8pPr marL="3200400" indent="0" algn="ctr">
-              <a:buNone/>
-              <a:defRPr sz="1600"/>
+            <a:lvl8pPr marL="3359780" indent="0" algn="ctr">
+              <a:buNone/>
+              <a:defRPr sz="1680"/>
             </a:lvl8pPr>
-            <a:lvl9pPr marL="3657600" indent="0" algn="ctr">
-              <a:buNone/>
-              <a:defRPr sz="1600"/>
+            <a:lvl9pPr marL="3839748" indent="0" algn="ctr">
+              <a:buNone/>
+              <a:defRPr sz="1680"/>
             </a:lvl9pPr>
           </a:lstStyle>
           <a:p>
@@ -228,18 +222,13 @@
               <a:rPr lang="en-US"/>
               <a:t>Click to edit Master subtitle style</a:t>
             </a:r>
-          </a:p>
-        </p:txBody>
-      </p:sp>
-      <p:sp>
-        <p:nvSpPr>
-          <p:cNvPr id="4" name="Date Placeholder 3">
-            <a:extLst>
-              <a:ext uri="{FF2B5EF4-FFF2-40B4-BE49-F238E27FC236}">
-                <a16:creationId xmlns:a16="http://schemas.microsoft.com/office/drawing/2014/main" id="{8B0E825C-9BF6-4B3E-6D96-5A078574ADF9}"/>
-              </a:ext>
-            </a:extLst>
-          </p:cNvPr>
+            <a:endParaRPr lang="en-US" dirty="0"/>
+          </a:p>
+        </p:txBody>
+      </p:sp>
+      <p:sp>
+        <p:nvSpPr>
+          <p:cNvPr id="4" name="Date Placeholder 3"/>
           <p:cNvSpPr>
             <a:spLocks noGrp="1"/>
           </p:cNvSpPr>
@@ -254,7 +243,7 @@
           <a:p>
             <a:fld id="{AA589637-903D-D340-A46A-CA09F20C22F5}" type="datetimeFigureOut">
               <a:rPr lang="en-US" smtClean="0"/>
-              <a:t>5/17/25</a:t>
+              <a:t>8/13/25</a:t>
             </a:fld>
             <a:endParaRPr lang="en-US"/>
           </a:p>
@@ -262,13 +251,7 @@
       </p:sp>
       <p:sp>
         <p:nvSpPr>
-          <p:cNvPr id="5" name="Footer Placeholder 4">
-            <a:extLst>
-              <a:ext uri="{FF2B5EF4-FFF2-40B4-BE49-F238E27FC236}">
-                <a16:creationId xmlns:a16="http://schemas.microsoft.com/office/drawing/2014/main" id="{FD2C7C70-FAB3-E65B-758A-207C1BF22E0E}"/>
-              </a:ext>
-            </a:extLst>
-          </p:cNvPr>
+          <p:cNvPr id="5" name="Footer Placeholder 4"/>
           <p:cNvSpPr>
             <a:spLocks noGrp="1"/>
           </p:cNvSpPr>
@@ -287,13 +270,7 @@
       </p:sp>
       <p:sp>
         <p:nvSpPr>
-          <p:cNvPr id="6" name="Slide Number Placeholder 5">
-            <a:extLst>
-              <a:ext uri="{FF2B5EF4-FFF2-40B4-BE49-F238E27FC236}">
-                <a16:creationId xmlns:a16="http://schemas.microsoft.com/office/drawing/2014/main" id="{401516AE-CDF6-E109-DABE-EEB45F6BCFCE}"/>
-              </a:ext>
-            </a:extLst>
-          </p:cNvPr>
+          <p:cNvPr id="6" name="Slide Number Placeholder 5"/>
           <p:cNvSpPr>
             <a:spLocks noGrp="1"/>
           </p:cNvSpPr>
@@ -317,7 +294,7 @@
     </p:spTree>
     <p:extLst>
       <p:ext uri="{BB962C8B-B14F-4D97-AF65-F5344CB8AC3E}">
-        <p14:creationId xmlns:p14="http://schemas.microsoft.com/office/powerpoint/2010/main" val="1478229885"/>
+        <p14:creationId xmlns:p14="http://schemas.microsoft.com/office/powerpoint/2010/main" val="1050871551"/>
       </p:ext>
     </p:extLst>
   </p:cSld>
@@ -346,13 +323,7 @@
       </p:grpSpPr>
       <p:sp>
         <p:nvSpPr>
-          <p:cNvPr id="2" name="Title 1">
-            <a:extLst>
-              <a:ext uri="{FF2B5EF4-FFF2-40B4-BE49-F238E27FC236}">
-                <a16:creationId xmlns:a16="http://schemas.microsoft.com/office/drawing/2014/main" id="{4D511198-6583-2A45-C396-E01FD09C5107}"/>
-              </a:ext>
-            </a:extLst>
-          </p:cNvPr>
+          <p:cNvPr id="2" name="Title 1"/>
           <p:cNvSpPr>
             <a:spLocks noGrp="1"/>
           </p:cNvSpPr>
@@ -369,18 +340,13 @@
               <a:rPr lang="en-US"/>
               <a:t>Click to edit Master title style</a:t>
             </a:r>
-          </a:p>
-        </p:txBody>
-      </p:sp>
-      <p:sp>
-        <p:nvSpPr>
-          <p:cNvPr id="3" name="Vertical Text Placeholder 2">
-            <a:extLst>
-              <a:ext uri="{FF2B5EF4-FFF2-40B4-BE49-F238E27FC236}">
-                <a16:creationId xmlns:a16="http://schemas.microsoft.com/office/drawing/2014/main" id="{E43A0C70-964B-8C71-1B4D-4B3BAA054FE3}"/>
-              </a:ext>
-            </a:extLst>
-          </p:cNvPr>
+            <a:endParaRPr lang="en-US" dirty="0"/>
+          </a:p>
+        </p:txBody>
+      </p:sp>
+      <p:sp>
+        <p:nvSpPr>
+          <p:cNvPr id="3" name="Vertical Text Placeholder 2"/>
           <p:cNvSpPr>
             <a:spLocks noGrp="1"/>
           </p:cNvSpPr>
@@ -426,18 +392,13 @@
               <a:rPr lang="en-US"/>
               <a:t>Fifth level</a:t>
             </a:r>
-          </a:p>
-        </p:txBody>
-      </p:sp>
-      <p:sp>
-        <p:nvSpPr>
-          <p:cNvPr id="4" name="Date Placeholder 3">
-            <a:extLst>
-              <a:ext uri="{FF2B5EF4-FFF2-40B4-BE49-F238E27FC236}">
-                <a16:creationId xmlns:a16="http://schemas.microsoft.com/office/drawing/2014/main" id="{9F7F239F-EE78-20A3-4435-FE8C495ADBF7}"/>
-              </a:ext>
-            </a:extLst>
-          </p:cNvPr>
+            <a:endParaRPr lang="en-US" dirty="0"/>
+          </a:p>
+        </p:txBody>
+      </p:sp>
+      <p:sp>
+        <p:nvSpPr>
+          <p:cNvPr id="4" name="Date Placeholder 3"/>
           <p:cNvSpPr>
             <a:spLocks noGrp="1"/>
           </p:cNvSpPr>
@@ -452,7 +413,7 @@
           <a:p>
             <a:fld id="{AA589637-903D-D340-A46A-CA09F20C22F5}" type="datetimeFigureOut">
               <a:rPr lang="en-US" smtClean="0"/>
-              <a:t>5/17/25</a:t>
+              <a:t>8/13/25</a:t>
             </a:fld>
             <a:endParaRPr lang="en-US"/>
           </a:p>
@@ -460,13 +421,7 @@
       </p:sp>
       <p:sp>
         <p:nvSpPr>
-          <p:cNvPr id="5" name="Footer Placeholder 4">
-            <a:extLst>
-              <a:ext uri="{FF2B5EF4-FFF2-40B4-BE49-F238E27FC236}">
-                <a16:creationId xmlns:a16="http://schemas.microsoft.com/office/drawing/2014/main" id="{31608DC8-8DD2-803E-6320-A779BB413717}"/>
-              </a:ext>
-            </a:extLst>
-          </p:cNvPr>
+          <p:cNvPr id="5" name="Footer Placeholder 4"/>
           <p:cNvSpPr>
             <a:spLocks noGrp="1"/>
           </p:cNvSpPr>
@@ -485,13 +440,7 @@
       </p:sp>
       <p:sp>
         <p:nvSpPr>
-          <p:cNvPr id="6" name="Slide Number Placeholder 5">
-            <a:extLst>
-              <a:ext uri="{FF2B5EF4-FFF2-40B4-BE49-F238E27FC236}">
-                <a16:creationId xmlns:a16="http://schemas.microsoft.com/office/drawing/2014/main" id="{E0FEF63F-E5F9-C16D-3930-83CF074C2964}"/>
-              </a:ext>
-            </a:extLst>
-          </p:cNvPr>
+          <p:cNvPr id="6" name="Slide Number Placeholder 5"/>
           <p:cNvSpPr>
             <a:spLocks noGrp="1"/>
           </p:cNvSpPr>
@@ -515,7 +464,7 @@
     </p:spTree>
     <p:extLst>
       <p:ext uri="{BB962C8B-B14F-4D97-AF65-F5344CB8AC3E}">
-        <p14:creationId xmlns:p14="http://schemas.microsoft.com/office/powerpoint/2010/main" val="2563388125"/>
+        <p14:creationId xmlns:p14="http://schemas.microsoft.com/office/powerpoint/2010/main" val="1406956139"/>
       </p:ext>
     </p:extLst>
   </p:cSld>
@@ -544,13 +493,7 @@
       </p:grpSpPr>
       <p:sp>
         <p:nvSpPr>
-          <p:cNvPr id="2" name="Vertical Title 1">
-            <a:extLst>
-              <a:ext uri="{FF2B5EF4-FFF2-40B4-BE49-F238E27FC236}">
-                <a16:creationId xmlns:a16="http://schemas.microsoft.com/office/drawing/2014/main" id="{7638217B-C652-FB13-64B6-48F624707C7F}"/>
-              </a:ext>
-            </a:extLst>
-          </p:cNvPr>
+          <p:cNvPr id="2" name="Vertical Title 1"/>
           <p:cNvSpPr>
             <a:spLocks noGrp="1"/>
           </p:cNvSpPr>
@@ -560,8 +503,8 @@
         </p:nvSpPr>
         <p:spPr>
           <a:xfrm>
-            <a:off x="8724900" y="365125"/>
-            <a:ext cx="2628900" cy="5811838"/>
+            <a:off x="12881724" y="383297"/>
+            <a:ext cx="3881393" cy="6101085"/>
           </a:xfrm>
         </p:spPr>
         <p:txBody>
@@ -572,18 +515,13 @@
               <a:rPr lang="en-US"/>
               <a:t>Click to edit Master title style</a:t>
             </a:r>
-          </a:p>
-        </p:txBody>
-      </p:sp>
-      <p:sp>
-        <p:nvSpPr>
-          <p:cNvPr id="3" name="Vertical Text Placeholder 2">
-            <a:extLst>
-              <a:ext uri="{FF2B5EF4-FFF2-40B4-BE49-F238E27FC236}">
-                <a16:creationId xmlns:a16="http://schemas.microsoft.com/office/drawing/2014/main" id="{FD246DCA-42CF-99A8-52A7-067930B0E79C}"/>
-              </a:ext>
-            </a:extLst>
-          </p:cNvPr>
+            <a:endParaRPr lang="en-US" dirty="0"/>
+          </a:p>
+        </p:txBody>
+      </p:sp>
+      <p:sp>
+        <p:nvSpPr>
+          <p:cNvPr id="3" name="Vertical Text Placeholder 2"/>
           <p:cNvSpPr>
             <a:spLocks noGrp="1"/>
           </p:cNvSpPr>
@@ -593,8 +531,8 @@
         </p:nvSpPr>
         <p:spPr>
           <a:xfrm>
-            <a:off x="838200" y="365125"/>
-            <a:ext cx="7734300" cy="5811838"/>
+            <a:off x="1237545" y="383297"/>
+            <a:ext cx="11419171" cy="6101085"/>
           </a:xfrm>
         </p:spPr>
         <p:txBody>
@@ -634,18 +572,13 @@
               <a:rPr lang="en-US"/>
               <a:t>Fifth level</a:t>
             </a:r>
-          </a:p>
-        </p:txBody>
-      </p:sp>
-      <p:sp>
-        <p:nvSpPr>
-          <p:cNvPr id="4" name="Date Placeholder 3">
-            <a:extLst>
-              <a:ext uri="{FF2B5EF4-FFF2-40B4-BE49-F238E27FC236}">
-                <a16:creationId xmlns:a16="http://schemas.microsoft.com/office/drawing/2014/main" id="{D524B484-9E38-63BE-4B20-0732AA9F05CC}"/>
-              </a:ext>
-            </a:extLst>
-          </p:cNvPr>
+            <a:endParaRPr lang="en-US" dirty="0"/>
+          </a:p>
+        </p:txBody>
+      </p:sp>
+      <p:sp>
+        <p:nvSpPr>
+          <p:cNvPr id="4" name="Date Placeholder 3"/>
           <p:cNvSpPr>
             <a:spLocks noGrp="1"/>
           </p:cNvSpPr>
@@ -660,7 +593,7 @@
           <a:p>
             <a:fld id="{AA589637-903D-D340-A46A-CA09F20C22F5}" type="datetimeFigureOut">
               <a:rPr lang="en-US" smtClean="0"/>
-              <a:t>5/17/25</a:t>
+              <a:t>8/13/25</a:t>
             </a:fld>
             <a:endParaRPr lang="en-US"/>
           </a:p>
@@ -668,13 +601,7 @@
       </p:sp>
       <p:sp>
         <p:nvSpPr>
-          <p:cNvPr id="5" name="Footer Placeholder 4">
-            <a:extLst>
-              <a:ext uri="{FF2B5EF4-FFF2-40B4-BE49-F238E27FC236}">
-                <a16:creationId xmlns:a16="http://schemas.microsoft.com/office/drawing/2014/main" id="{21693690-94A1-ED15-33F2-5B16192B98C4}"/>
-              </a:ext>
-            </a:extLst>
-          </p:cNvPr>
+          <p:cNvPr id="5" name="Footer Placeholder 4"/>
           <p:cNvSpPr>
             <a:spLocks noGrp="1"/>
           </p:cNvSpPr>
@@ -693,13 +620,7 @@
       </p:sp>
       <p:sp>
         <p:nvSpPr>
-          <p:cNvPr id="6" name="Slide Number Placeholder 5">
-            <a:extLst>
-              <a:ext uri="{FF2B5EF4-FFF2-40B4-BE49-F238E27FC236}">
-                <a16:creationId xmlns:a16="http://schemas.microsoft.com/office/drawing/2014/main" id="{4EDCD1DD-4F2C-53C3-EED1-E20E9668AEDE}"/>
-              </a:ext>
-            </a:extLst>
-          </p:cNvPr>
+          <p:cNvPr id="6" name="Slide Number Placeholder 5"/>
           <p:cNvSpPr>
             <a:spLocks noGrp="1"/>
           </p:cNvSpPr>
@@ -723,7 +644,7 @@
     </p:spTree>
     <p:extLst>
       <p:ext uri="{BB962C8B-B14F-4D97-AF65-F5344CB8AC3E}">
-        <p14:creationId xmlns:p14="http://schemas.microsoft.com/office/powerpoint/2010/main" val="259807181"/>
+        <p14:creationId xmlns:p14="http://schemas.microsoft.com/office/powerpoint/2010/main" val="2069686994"/>
       </p:ext>
     </p:extLst>
   </p:cSld>
@@ -752,13 +673,7 @@
       </p:grpSpPr>
       <p:sp>
         <p:nvSpPr>
-          <p:cNvPr id="2" name="Title 1">
-            <a:extLst>
-              <a:ext uri="{FF2B5EF4-FFF2-40B4-BE49-F238E27FC236}">
-                <a16:creationId xmlns:a16="http://schemas.microsoft.com/office/drawing/2014/main" id="{848AC559-4EDD-A089-9ECB-CF8293899C13}"/>
-              </a:ext>
-            </a:extLst>
-          </p:cNvPr>
+          <p:cNvPr id="2" name="Title 1"/>
           <p:cNvSpPr>
             <a:spLocks noGrp="1"/>
           </p:cNvSpPr>
@@ -775,18 +690,13 @@
               <a:rPr lang="en-US"/>
               <a:t>Click to edit Master title style</a:t>
             </a:r>
-          </a:p>
-        </p:txBody>
-      </p:sp>
-      <p:sp>
-        <p:nvSpPr>
-          <p:cNvPr id="3" name="Content Placeholder 2">
-            <a:extLst>
-              <a:ext uri="{FF2B5EF4-FFF2-40B4-BE49-F238E27FC236}">
-                <a16:creationId xmlns:a16="http://schemas.microsoft.com/office/drawing/2014/main" id="{AB9EF312-847D-8777-D5B9-B762CCC864CD}"/>
-              </a:ext>
-            </a:extLst>
-          </p:cNvPr>
+            <a:endParaRPr lang="en-US" dirty="0"/>
+          </a:p>
+        </p:txBody>
+      </p:sp>
+      <p:sp>
+        <p:nvSpPr>
+          <p:cNvPr id="3" name="Content Placeholder 2"/>
           <p:cNvSpPr>
             <a:spLocks noGrp="1"/>
           </p:cNvSpPr>
@@ -832,18 +742,13 @@
               <a:rPr lang="en-US"/>
               <a:t>Fifth level</a:t>
             </a:r>
-          </a:p>
-        </p:txBody>
-      </p:sp>
-      <p:sp>
-        <p:nvSpPr>
-          <p:cNvPr id="4" name="Date Placeholder 3">
-            <a:extLst>
-              <a:ext uri="{FF2B5EF4-FFF2-40B4-BE49-F238E27FC236}">
-                <a16:creationId xmlns:a16="http://schemas.microsoft.com/office/drawing/2014/main" id="{A22E97A2-448C-D2DB-14A4-468064F37D3A}"/>
-              </a:ext>
-            </a:extLst>
-          </p:cNvPr>
+            <a:endParaRPr lang="en-US" dirty="0"/>
+          </a:p>
+        </p:txBody>
+      </p:sp>
+      <p:sp>
+        <p:nvSpPr>
+          <p:cNvPr id="4" name="Date Placeholder 3"/>
           <p:cNvSpPr>
             <a:spLocks noGrp="1"/>
           </p:cNvSpPr>
@@ -858,7 +763,7 @@
           <a:p>
             <a:fld id="{AA589637-903D-D340-A46A-CA09F20C22F5}" type="datetimeFigureOut">
               <a:rPr lang="en-US" smtClean="0"/>
-              <a:t>5/17/25</a:t>
+              <a:t>8/13/25</a:t>
             </a:fld>
             <a:endParaRPr lang="en-US"/>
           </a:p>
@@ -866,13 +771,7 @@
       </p:sp>
       <p:sp>
         <p:nvSpPr>
-          <p:cNvPr id="5" name="Footer Placeholder 4">
-            <a:extLst>
-              <a:ext uri="{FF2B5EF4-FFF2-40B4-BE49-F238E27FC236}">
-                <a16:creationId xmlns:a16="http://schemas.microsoft.com/office/drawing/2014/main" id="{0EEE0ECE-3E77-6569-6523-D4CA6D6C80E8}"/>
-              </a:ext>
-            </a:extLst>
-          </p:cNvPr>
+          <p:cNvPr id="5" name="Footer Placeholder 4"/>
           <p:cNvSpPr>
             <a:spLocks noGrp="1"/>
           </p:cNvSpPr>
@@ -891,13 +790,7 @@
       </p:sp>
       <p:sp>
         <p:nvSpPr>
-          <p:cNvPr id="6" name="Slide Number Placeholder 5">
-            <a:extLst>
-              <a:ext uri="{FF2B5EF4-FFF2-40B4-BE49-F238E27FC236}">
-                <a16:creationId xmlns:a16="http://schemas.microsoft.com/office/drawing/2014/main" id="{6B089D13-2A06-9214-EF89-3D3FE18EDA15}"/>
-              </a:ext>
-            </a:extLst>
-          </p:cNvPr>
+          <p:cNvPr id="6" name="Slide Number Placeholder 5"/>
           <p:cNvSpPr>
             <a:spLocks noGrp="1"/>
           </p:cNvSpPr>
@@ -921,7 +814,7 @@
     </p:spTree>
     <p:extLst>
       <p:ext uri="{BB962C8B-B14F-4D97-AF65-F5344CB8AC3E}">
-        <p14:creationId xmlns:p14="http://schemas.microsoft.com/office/powerpoint/2010/main" val="603802163"/>
+        <p14:creationId xmlns:p14="http://schemas.microsoft.com/office/powerpoint/2010/main" val="2312218440"/>
       </p:ext>
     </p:extLst>
   </p:cSld>
@@ -950,13 +843,7 @@
       </p:grpSpPr>
       <p:sp>
         <p:nvSpPr>
-          <p:cNvPr id="2" name="Title 1">
-            <a:extLst>
-              <a:ext uri="{FF2B5EF4-FFF2-40B4-BE49-F238E27FC236}">
-                <a16:creationId xmlns:a16="http://schemas.microsoft.com/office/drawing/2014/main" id="{B77F0EDF-102B-4813-DE87-9E33F026162A}"/>
-              </a:ext>
-            </a:extLst>
-          </p:cNvPr>
+          <p:cNvPr id="2" name="Title 1"/>
           <p:cNvSpPr>
             <a:spLocks noGrp="1"/>
           </p:cNvSpPr>
@@ -966,15 +853,15 @@
         </p:nvSpPr>
         <p:spPr>
           <a:xfrm>
-            <a:off x="831850" y="1709738"/>
-            <a:ext cx="10515600" cy="2852737"/>
+            <a:off x="1228170" y="1794830"/>
+            <a:ext cx="15525572" cy="2994714"/>
           </a:xfrm>
         </p:spPr>
         <p:txBody>
           <a:bodyPr anchor="b"/>
           <a:lstStyle>
             <a:lvl1pPr>
-              <a:defRPr sz="6000"/>
+              <a:defRPr sz="6299"/>
             </a:lvl1pPr>
           </a:lstStyle>
           <a:p>
@@ -982,18 +869,13 @@
               <a:rPr lang="en-US"/>
               <a:t>Click to edit Master title style</a:t>
             </a:r>
-          </a:p>
-        </p:txBody>
-      </p:sp>
-      <p:sp>
-        <p:nvSpPr>
-          <p:cNvPr id="3" name="Text Placeholder 2">
-            <a:extLst>
-              <a:ext uri="{FF2B5EF4-FFF2-40B4-BE49-F238E27FC236}">
-                <a16:creationId xmlns:a16="http://schemas.microsoft.com/office/drawing/2014/main" id="{605C45E9-450A-3343-46BC-58DC53B4AFBD}"/>
-              </a:ext>
-            </a:extLst>
-          </p:cNvPr>
+            <a:endParaRPr lang="en-US" dirty="0"/>
+          </a:p>
+        </p:txBody>
+      </p:sp>
+      <p:sp>
+        <p:nvSpPr>
+          <p:cNvPr id="3" name="Text Placeholder 2"/>
           <p:cNvSpPr>
             <a:spLocks noGrp="1"/>
           </p:cNvSpPr>
@@ -1003,8 +885,8 @@
         </p:nvSpPr>
         <p:spPr>
           <a:xfrm>
-            <a:off x="831850" y="4589463"/>
-            <a:ext cx="10515600" cy="1500187"/>
+            <a:off x="1228170" y="4817875"/>
+            <a:ext cx="15525572" cy="1574849"/>
           </a:xfrm>
         </p:spPr>
         <p:txBody>
@@ -1012,7 +894,7 @@
           <a:lstStyle>
             <a:lvl1pPr marL="0" indent="0">
               <a:buNone/>
-              <a:defRPr sz="2400">
+              <a:defRPr sz="2520">
                 <a:solidFill>
                   <a:schemeClr val="tx1">
                     <a:tint val="82000"/>
@@ -1020,9 +902,9 @@
                 </a:solidFill>
               </a:defRPr>
             </a:lvl1pPr>
-            <a:lvl2pPr marL="457200" indent="0">
-              <a:buNone/>
-              <a:defRPr sz="2000">
+            <a:lvl2pPr marL="479969" indent="0">
+              <a:buNone/>
+              <a:defRPr sz="2100">
                 <a:solidFill>
                   <a:schemeClr val="tx1">
                     <a:tint val="82000"/>
@@ -1030,9 +912,9 @@
                 </a:solidFill>
               </a:defRPr>
             </a:lvl2pPr>
-            <a:lvl3pPr marL="914400" indent="0">
-              <a:buNone/>
-              <a:defRPr sz="1800">
+            <a:lvl3pPr marL="959937" indent="0">
+              <a:buNone/>
+              <a:defRPr sz="1890">
                 <a:solidFill>
                   <a:schemeClr val="tx1">
                     <a:tint val="82000"/>
@@ -1040,9 +922,9 @@
                 </a:solidFill>
               </a:defRPr>
             </a:lvl3pPr>
-            <a:lvl4pPr marL="1371600" indent="0">
-              <a:buNone/>
-              <a:defRPr sz="1600">
+            <a:lvl4pPr marL="1439906" indent="0">
+              <a:buNone/>
+              <a:defRPr sz="1680">
                 <a:solidFill>
                   <a:schemeClr val="tx1">
                     <a:tint val="82000"/>
@@ -1050,9 +932,9 @@
                 </a:solidFill>
               </a:defRPr>
             </a:lvl4pPr>
-            <a:lvl5pPr marL="1828800" indent="0">
-              <a:buNone/>
-              <a:defRPr sz="1600">
+            <a:lvl5pPr marL="1919874" indent="0">
+              <a:buNone/>
+              <a:defRPr sz="1680">
                 <a:solidFill>
                   <a:schemeClr val="tx1">
                     <a:tint val="82000"/>
@@ -1060,9 +942,9 @@
                 </a:solidFill>
               </a:defRPr>
             </a:lvl5pPr>
-            <a:lvl6pPr marL="2286000" indent="0">
-              <a:buNone/>
-              <a:defRPr sz="1600">
+            <a:lvl6pPr marL="2399843" indent="0">
+              <a:buNone/>
+              <a:defRPr sz="1680">
                 <a:solidFill>
                   <a:schemeClr val="tx1">
                     <a:tint val="82000"/>
@@ -1070,9 +952,9 @@
                 </a:solidFill>
               </a:defRPr>
             </a:lvl6pPr>
-            <a:lvl7pPr marL="2743200" indent="0">
-              <a:buNone/>
-              <a:defRPr sz="1600">
+            <a:lvl7pPr marL="2879811" indent="0">
+              <a:buNone/>
+              <a:defRPr sz="1680">
                 <a:solidFill>
                   <a:schemeClr val="tx1">
                     <a:tint val="82000"/>
@@ -1080,9 +962,9 @@
                 </a:solidFill>
               </a:defRPr>
             </a:lvl7pPr>
-            <a:lvl8pPr marL="3200400" indent="0">
-              <a:buNone/>
-              <a:defRPr sz="1600">
+            <a:lvl8pPr marL="3359780" indent="0">
+              <a:buNone/>
+              <a:defRPr sz="1680">
                 <a:solidFill>
                   <a:schemeClr val="tx1">
                     <a:tint val="82000"/>
@@ -1090,9 +972,9 @@
                 </a:solidFill>
               </a:defRPr>
             </a:lvl8pPr>
-            <a:lvl9pPr marL="3657600" indent="0">
-              <a:buNone/>
-              <a:defRPr sz="1600">
+            <a:lvl9pPr marL="3839748" indent="0">
+              <a:buNone/>
+              <a:defRPr sz="1680">
                 <a:solidFill>
                   <a:schemeClr val="tx1">
                     <a:tint val="82000"/>
@@ -1112,13 +994,7 @@
       </p:sp>
       <p:sp>
         <p:nvSpPr>
-          <p:cNvPr id="4" name="Date Placeholder 3">
-            <a:extLst>
-              <a:ext uri="{FF2B5EF4-FFF2-40B4-BE49-F238E27FC236}">
-                <a16:creationId xmlns:a16="http://schemas.microsoft.com/office/drawing/2014/main" id="{D07AD9D9-D419-0E70-339C-E4041212F6F8}"/>
-              </a:ext>
-            </a:extLst>
-          </p:cNvPr>
+          <p:cNvPr id="4" name="Date Placeholder 3"/>
           <p:cNvSpPr>
             <a:spLocks noGrp="1"/>
           </p:cNvSpPr>
@@ -1133,7 +1009,7 @@
           <a:p>
             <a:fld id="{AA589637-903D-D340-A46A-CA09F20C22F5}" type="datetimeFigureOut">
               <a:rPr lang="en-US" smtClean="0"/>
-              <a:t>5/17/25</a:t>
+              <a:t>8/13/25</a:t>
             </a:fld>
             <a:endParaRPr lang="en-US"/>
           </a:p>
@@ -1141,13 +1017,7 @@
       </p:sp>
       <p:sp>
         <p:nvSpPr>
-          <p:cNvPr id="5" name="Footer Placeholder 4">
-            <a:extLst>
-              <a:ext uri="{FF2B5EF4-FFF2-40B4-BE49-F238E27FC236}">
-                <a16:creationId xmlns:a16="http://schemas.microsoft.com/office/drawing/2014/main" id="{BC5D548B-8460-72AB-AD54-101C1105C517}"/>
-              </a:ext>
-            </a:extLst>
-          </p:cNvPr>
+          <p:cNvPr id="5" name="Footer Placeholder 4"/>
           <p:cNvSpPr>
             <a:spLocks noGrp="1"/>
           </p:cNvSpPr>
@@ -1166,13 +1036,7 @@
       </p:sp>
       <p:sp>
         <p:nvSpPr>
-          <p:cNvPr id="6" name="Slide Number Placeholder 5">
-            <a:extLst>
-              <a:ext uri="{FF2B5EF4-FFF2-40B4-BE49-F238E27FC236}">
-                <a16:creationId xmlns:a16="http://schemas.microsoft.com/office/drawing/2014/main" id="{E2361D63-4834-CBC2-4193-EF3DBDBB37FF}"/>
-              </a:ext>
-            </a:extLst>
-          </p:cNvPr>
+          <p:cNvPr id="6" name="Slide Number Placeholder 5"/>
           <p:cNvSpPr>
             <a:spLocks noGrp="1"/>
           </p:cNvSpPr>
@@ -1196,7 +1060,7 @@
     </p:spTree>
     <p:extLst>
       <p:ext uri="{BB962C8B-B14F-4D97-AF65-F5344CB8AC3E}">
-        <p14:creationId xmlns:p14="http://schemas.microsoft.com/office/powerpoint/2010/main" val="3023166916"/>
+        <p14:creationId xmlns:p14="http://schemas.microsoft.com/office/powerpoint/2010/main" val="866948442"/>
       </p:ext>
     </p:extLst>
   </p:cSld>
@@ -1225,13 +1089,7 @@
       </p:grpSpPr>
       <p:sp>
         <p:nvSpPr>
-          <p:cNvPr id="2" name="Title 1">
-            <a:extLst>
-              <a:ext uri="{FF2B5EF4-FFF2-40B4-BE49-F238E27FC236}">
-                <a16:creationId xmlns:a16="http://schemas.microsoft.com/office/drawing/2014/main" id="{22D3651D-D858-6755-DD2C-ECA089C02AF5}"/>
-              </a:ext>
-            </a:extLst>
-          </p:cNvPr>
+          <p:cNvPr id="2" name="Title 1"/>
           <p:cNvSpPr>
             <a:spLocks noGrp="1"/>
           </p:cNvSpPr>
@@ -1248,18 +1106,13 @@
               <a:rPr lang="en-US"/>
               <a:t>Click to edit Master title style</a:t>
             </a:r>
-          </a:p>
-        </p:txBody>
-      </p:sp>
-      <p:sp>
-        <p:nvSpPr>
-          <p:cNvPr id="3" name="Content Placeholder 2">
-            <a:extLst>
-              <a:ext uri="{FF2B5EF4-FFF2-40B4-BE49-F238E27FC236}">
-                <a16:creationId xmlns:a16="http://schemas.microsoft.com/office/drawing/2014/main" id="{5BBF5778-9D4C-EE03-2406-27994244FFD1}"/>
-              </a:ext>
-            </a:extLst>
-          </p:cNvPr>
+            <a:endParaRPr lang="en-US" dirty="0"/>
+          </a:p>
+        </p:txBody>
+      </p:sp>
+      <p:sp>
+        <p:nvSpPr>
+          <p:cNvPr id="3" name="Content Placeholder 2"/>
           <p:cNvSpPr>
             <a:spLocks noGrp="1"/>
           </p:cNvSpPr>
@@ -1269,8 +1122,8 @@
         </p:nvSpPr>
         <p:spPr>
           <a:xfrm>
-            <a:off x="838200" y="1825625"/>
-            <a:ext cx="5181600" cy="4351338"/>
+            <a:off x="1237545" y="1916484"/>
+            <a:ext cx="7650282" cy="4567898"/>
           </a:xfrm>
         </p:spPr>
         <p:txBody>
@@ -1310,18 +1163,13 @@
               <a:rPr lang="en-US"/>
               <a:t>Fifth level</a:t>
             </a:r>
-          </a:p>
-        </p:txBody>
-      </p:sp>
-      <p:sp>
-        <p:nvSpPr>
-          <p:cNvPr id="4" name="Content Placeholder 3">
-            <a:extLst>
-              <a:ext uri="{FF2B5EF4-FFF2-40B4-BE49-F238E27FC236}">
-                <a16:creationId xmlns:a16="http://schemas.microsoft.com/office/drawing/2014/main" id="{E8186865-1853-7C83-B87C-9376ADD2533C}"/>
-              </a:ext>
-            </a:extLst>
-          </p:cNvPr>
+            <a:endParaRPr lang="en-US" dirty="0"/>
+          </a:p>
+        </p:txBody>
+      </p:sp>
+      <p:sp>
+        <p:nvSpPr>
+          <p:cNvPr id="4" name="Content Placeholder 3"/>
           <p:cNvSpPr>
             <a:spLocks noGrp="1"/>
           </p:cNvSpPr>
@@ -1331,8 +1179,8 @@
         </p:nvSpPr>
         <p:spPr>
           <a:xfrm>
-            <a:off x="6172200" y="1825625"/>
-            <a:ext cx="5181600" cy="4351338"/>
+            <a:off x="9112836" y="1916484"/>
+            <a:ext cx="7650282" cy="4567898"/>
           </a:xfrm>
         </p:spPr>
         <p:txBody>
@@ -1372,18 +1220,13 @@
               <a:rPr lang="en-US"/>
               <a:t>Fifth level</a:t>
             </a:r>
-          </a:p>
-        </p:txBody>
-      </p:sp>
-      <p:sp>
-        <p:nvSpPr>
-          <p:cNvPr id="5" name="Date Placeholder 4">
-            <a:extLst>
-              <a:ext uri="{FF2B5EF4-FFF2-40B4-BE49-F238E27FC236}">
-                <a16:creationId xmlns:a16="http://schemas.microsoft.com/office/drawing/2014/main" id="{1056595F-CC3B-4028-F4B8-18128169B936}"/>
-              </a:ext>
-            </a:extLst>
-          </p:cNvPr>
+            <a:endParaRPr lang="en-US" dirty="0"/>
+          </a:p>
+        </p:txBody>
+      </p:sp>
+      <p:sp>
+        <p:nvSpPr>
+          <p:cNvPr id="5" name="Date Placeholder 4"/>
           <p:cNvSpPr>
             <a:spLocks noGrp="1"/>
           </p:cNvSpPr>
@@ -1398,7 +1241,7 @@
           <a:p>
             <a:fld id="{AA589637-903D-D340-A46A-CA09F20C22F5}" type="datetimeFigureOut">
               <a:rPr lang="en-US" smtClean="0"/>
-              <a:t>5/17/25</a:t>
+              <a:t>8/13/25</a:t>
             </a:fld>
             <a:endParaRPr lang="en-US"/>
           </a:p>
@@ -1406,13 +1249,7 @@
       </p:sp>
       <p:sp>
         <p:nvSpPr>
-          <p:cNvPr id="6" name="Footer Placeholder 5">
-            <a:extLst>
-              <a:ext uri="{FF2B5EF4-FFF2-40B4-BE49-F238E27FC236}">
-                <a16:creationId xmlns:a16="http://schemas.microsoft.com/office/drawing/2014/main" id="{52C017EA-0E6B-D138-5C54-20413064CF23}"/>
-              </a:ext>
-            </a:extLst>
-          </p:cNvPr>
+          <p:cNvPr id="6" name="Footer Placeholder 5"/>
           <p:cNvSpPr>
             <a:spLocks noGrp="1"/>
           </p:cNvSpPr>
@@ -1431,13 +1268,7 @@
       </p:sp>
       <p:sp>
         <p:nvSpPr>
-          <p:cNvPr id="7" name="Slide Number Placeholder 6">
-            <a:extLst>
-              <a:ext uri="{FF2B5EF4-FFF2-40B4-BE49-F238E27FC236}">
-                <a16:creationId xmlns:a16="http://schemas.microsoft.com/office/drawing/2014/main" id="{6CEE49E3-A586-BB9B-07B3-E481D6EF59D1}"/>
-              </a:ext>
-            </a:extLst>
-          </p:cNvPr>
+          <p:cNvPr id="7" name="Slide Number Placeholder 6"/>
           <p:cNvSpPr>
             <a:spLocks noGrp="1"/>
           </p:cNvSpPr>
@@ -1461,7 +1292,7 @@
     </p:spTree>
     <p:extLst>
       <p:ext uri="{BB962C8B-B14F-4D97-AF65-F5344CB8AC3E}">
-        <p14:creationId xmlns:p14="http://schemas.microsoft.com/office/powerpoint/2010/main" val="738110718"/>
+        <p14:creationId xmlns:p14="http://schemas.microsoft.com/office/powerpoint/2010/main" val="1826863514"/>
       </p:ext>
     </p:extLst>
   </p:cSld>
@@ -1490,13 +1321,7 @@
       </p:grpSpPr>
       <p:sp>
         <p:nvSpPr>
-          <p:cNvPr id="2" name="Title 1">
-            <a:extLst>
-              <a:ext uri="{FF2B5EF4-FFF2-40B4-BE49-F238E27FC236}">
-                <a16:creationId xmlns:a16="http://schemas.microsoft.com/office/drawing/2014/main" id="{D9A7C520-5671-2D6F-E1E3-179874302BB7}"/>
-              </a:ext>
-            </a:extLst>
-          </p:cNvPr>
+          <p:cNvPr id="2" name="Title 1"/>
           <p:cNvSpPr>
             <a:spLocks noGrp="1"/>
           </p:cNvSpPr>
@@ -1506,8 +1331,8 @@
         </p:nvSpPr>
         <p:spPr>
           <a:xfrm>
-            <a:off x="839788" y="365125"/>
-            <a:ext cx="10515600" cy="1325563"/>
+            <a:off x="1239890" y="383297"/>
+            <a:ext cx="15525572" cy="1391534"/>
           </a:xfrm>
         </p:spPr>
         <p:txBody>
@@ -1518,18 +1343,13 @@
               <a:rPr lang="en-US"/>
               <a:t>Click to edit Master title style</a:t>
             </a:r>
-          </a:p>
-        </p:txBody>
-      </p:sp>
-      <p:sp>
-        <p:nvSpPr>
-          <p:cNvPr id="3" name="Text Placeholder 2">
-            <a:extLst>
-              <a:ext uri="{FF2B5EF4-FFF2-40B4-BE49-F238E27FC236}">
-                <a16:creationId xmlns:a16="http://schemas.microsoft.com/office/drawing/2014/main" id="{639C219E-3626-B886-658C-DE32AC14DF2A}"/>
-              </a:ext>
-            </a:extLst>
-          </p:cNvPr>
+            <a:endParaRPr lang="en-US" dirty="0"/>
+          </a:p>
+        </p:txBody>
+      </p:sp>
+      <p:sp>
+        <p:nvSpPr>
+          <p:cNvPr id="3" name="Text Placeholder 2"/>
           <p:cNvSpPr>
             <a:spLocks noGrp="1"/>
           </p:cNvSpPr>
@@ -1539,8 +1359,8 @@
         </p:nvSpPr>
         <p:spPr>
           <a:xfrm>
-            <a:off x="839788" y="1681163"/>
-            <a:ext cx="5157787" cy="823912"/>
+            <a:off x="1239891" y="1764832"/>
+            <a:ext cx="7615123" cy="864917"/>
           </a:xfrm>
         </p:spPr>
         <p:txBody>
@@ -1548,39 +1368,39 @@
           <a:lstStyle>
             <a:lvl1pPr marL="0" indent="0">
               <a:buNone/>
-              <a:defRPr sz="2400" b="1"/>
+              <a:defRPr sz="2520" b="1"/>
             </a:lvl1pPr>
-            <a:lvl2pPr marL="457200" indent="0">
-              <a:buNone/>
-              <a:defRPr sz="2000" b="1"/>
+            <a:lvl2pPr marL="479969" indent="0">
+              <a:buNone/>
+              <a:defRPr sz="2100" b="1"/>
             </a:lvl2pPr>
-            <a:lvl3pPr marL="914400" indent="0">
-              <a:buNone/>
-              <a:defRPr sz="1800" b="1"/>
+            <a:lvl3pPr marL="959937" indent="0">
+              <a:buNone/>
+              <a:defRPr sz="1890" b="1"/>
             </a:lvl3pPr>
-            <a:lvl4pPr marL="1371600" indent="0">
-              <a:buNone/>
-              <a:defRPr sz="1600" b="1"/>
+            <a:lvl4pPr marL="1439906" indent="0">
+              <a:buNone/>
+              <a:defRPr sz="1680" b="1"/>
             </a:lvl4pPr>
-            <a:lvl5pPr marL="1828800" indent="0">
-              <a:buNone/>
-              <a:defRPr sz="1600" b="1"/>
+            <a:lvl5pPr marL="1919874" indent="0">
+              <a:buNone/>
+              <a:defRPr sz="1680" b="1"/>
             </a:lvl5pPr>
-            <a:lvl6pPr marL="2286000" indent="0">
-              <a:buNone/>
-              <a:defRPr sz="1600" b="1"/>
+            <a:lvl6pPr marL="2399843" indent="0">
+              <a:buNone/>
+              <a:defRPr sz="1680" b="1"/>
             </a:lvl6pPr>
-            <a:lvl7pPr marL="2743200" indent="0">
-              <a:buNone/>
-              <a:defRPr sz="1600" b="1"/>
+            <a:lvl7pPr marL="2879811" indent="0">
+              <a:buNone/>
+              <a:defRPr sz="1680" b="1"/>
             </a:lvl7pPr>
-            <a:lvl8pPr marL="3200400" indent="0">
-              <a:buNone/>
-              <a:defRPr sz="1600" b="1"/>
+            <a:lvl8pPr marL="3359780" indent="0">
+              <a:buNone/>
+              <a:defRPr sz="1680" b="1"/>
             </a:lvl8pPr>
-            <a:lvl9pPr marL="3657600" indent="0">
-              <a:buNone/>
-              <a:defRPr sz="1600" b="1"/>
+            <a:lvl9pPr marL="3839748" indent="0">
+              <a:buNone/>
+              <a:defRPr sz="1680" b="1"/>
             </a:lvl9pPr>
           </a:lstStyle>
           <a:p>
@@ -1594,13 +1414,7 @@
       </p:sp>
       <p:sp>
         <p:nvSpPr>
-          <p:cNvPr id="4" name="Content Placeholder 3">
-            <a:extLst>
-              <a:ext uri="{FF2B5EF4-FFF2-40B4-BE49-F238E27FC236}">
-                <a16:creationId xmlns:a16="http://schemas.microsoft.com/office/drawing/2014/main" id="{D82DCC17-CD20-E275-ECAF-13538F3899F7}"/>
-              </a:ext>
-            </a:extLst>
-          </p:cNvPr>
+          <p:cNvPr id="4" name="Content Placeholder 3"/>
           <p:cNvSpPr>
             <a:spLocks noGrp="1"/>
           </p:cNvSpPr>
@@ -1610,8 +1424,8 @@
         </p:nvSpPr>
         <p:spPr>
           <a:xfrm>
-            <a:off x="839788" y="2505075"/>
-            <a:ext cx="5157787" cy="3684588"/>
+            <a:off x="1239891" y="2629749"/>
+            <a:ext cx="7615123" cy="3867965"/>
           </a:xfrm>
         </p:spPr>
         <p:txBody>
@@ -1651,18 +1465,13 @@
               <a:rPr lang="en-US"/>
               <a:t>Fifth level</a:t>
             </a:r>
-          </a:p>
-        </p:txBody>
-      </p:sp>
-      <p:sp>
-        <p:nvSpPr>
-          <p:cNvPr id="5" name="Text Placeholder 4">
-            <a:extLst>
-              <a:ext uri="{FF2B5EF4-FFF2-40B4-BE49-F238E27FC236}">
-                <a16:creationId xmlns:a16="http://schemas.microsoft.com/office/drawing/2014/main" id="{C29E2471-ABDC-26E6-D7EA-1E629288B6C0}"/>
-              </a:ext>
-            </a:extLst>
-          </p:cNvPr>
+            <a:endParaRPr lang="en-US" dirty="0"/>
+          </a:p>
+        </p:txBody>
+      </p:sp>
+      <p:sp>
+        <p:nvSpPr>
+          <p:cNvPr id="5" name="Text Placeholder 4"/>
           <p:cNvSpPr>
             <a:spLocks noGrp="1"/>
           </p:cNvSpPr>
@@ -1672,8 +1481,8 @@
         </p:nvSpPr>
         <p:spPr>
           <a:xfrm>
-            <a:off x="6172200" y="1681163"/>
-            <a:ext cx="5183188" cy="823912"/>
+            <a:off x="9112836" y="1764832"/>
+            <a:ext cx="7652626" cy="864917"/>
           </a:xfrm>
         </p:spPr>
         <p:txBody>
@@ -1681,39 +1490,39 @@
           <a:lstStyle>
             <a:lvl1pPr marL="0" indent="0">
               <a:buNone/>
-              <a:defRPr sz="2400" b="1"/>
+              <a:defRPr sz="2520" b="1"/>
             </a:lvl1pPr>
-            <a:lvl2pPr marL="457200" indent="0">
-              <a:buNone/>
-              <a:defRPr sz="2000" b="1"/>
+            <a:lvl2pPr marL="479969" indent="0">
+              <a:buNone/>
+              <a:defRPr sz="2100" b="1"/>
             </a:lvl2pPr>
-            <a:lvl3pPr marL="914400" indent="0">
-              <a:buNone/>
-              <a:defRPr sz="1800" b="1"/>
+            <a:lvl3pPr marL="959937" indent="0">
+              <a:buNone/>
+              <a:defRPr sz="1890" b="1"/>
             </a:lvl3pPr>
-            <a:lvl4pPr marL="1371600" indent="0">
-              <a:buNone/>
-              <a:defRPr sz="1600" b="1"/>
+            <a:lvl4pPr marL="1439906" indent="0">
+              <a:buNone/>
+              <a:defRPr sz="1680" b="1"/>
             </a:lvl4pPr>
-            <a:lvl5pPr marL="1828800" indent="0">
-              <a:buNone/>
-              <a:defRPr sz="1600" b="1"/>
+            <a:lvl5pPr marL="1919874" indent="0">
+              <a:buNone/>
+              <a:defRPr sz="1680" b="1"/>
             </a:lvl5pPr>
-            <a:lvl6pPr marL="2286000" indent="0">
-              <a:buNone/>
-              <a:defRPr sz="1600" b="1"/>
+            <a:lvl6pPr marL="2399843" indent="0">
+              <a:buNone/>
+              <a:defRPr sz="1680" b="1"/>
             </a:lvl6pPr>
-            <a:lvl7pPr marL="2743200" indent="0">
-              <a:buNone/>
-              <a:defRPr sz="1600" b="1"/>
+            <a:lvl7pPr marL="2879811" indent="0">
+              <a:buNone/>
+              <a:defRPr sz="1680" b="1"/>
             </a:lvl7pPr>
-            <a:lvl8pPr marL="3200400" indent="0">
-              <a:buNone/>
-              <a:defRPr sz="1600" b="1"/>
+            <a:lvl8pPr marL="3359780" indent="0">
+              <a:buNone/>
+              <a:defRPr sz="1680" b="1"/>
             </a:lvl8pPr>
-            <a:lvl9pPr marL="3657600" indent="0">
-              <a:buNone/>
-              <a:defRPr sz="1600" b="1"/>
+            <a:lvl9pPr marL="3839748" indent="0">
+              <a:buNone/>
+              <a:defRPr sz="1680" b="1"/>
             </a:lvl9pPr>
           </a:lstStyle>
           <a:p>
@@ -1727,13 +1536,7 @@
       </p:sp>
       <p:sp>
         <p:nvSpPr>
-          <p:cNvPr id="6" name="Content Placeholder 5">
-            <a:extLst>
-              <a:ext uri="{FF2B5EF4-FFF2-40B4-BE49-F238E27FC236}">
-                <a16:creationId xmlns:a16="http://schemas.microsoft.com/office/drawing/2014/main" id="{6FA31769-5867-2602-5F6F-314F4552486D}"/>
-              </a:ext>
-            </a:extLst>
-          </p:cNvPr>
+          <p:cNvPr id="6" name="Content Placeholder 5"/>
           <p:cNvSpPr>
             <a:spLocks noGrp="1"/>
           </p:cNvSpPr>
@@ -1743,8 +1546,8 @@
         </p:nvSpPr>
         <p:spPr>
           <a:xfrm>
-            <a:off x="6172200" y="2505075"/>
-            <a:ext cx="5183188" cy="3684588"/>
+            <a:off x="9112836" y="2629749"/>
+            <a:ext cx="7652626" cy="3867965"/>
           </a:xfrm>
         </p:spPr>
         <p:txBody>
@@ -1784,18 +1587,13 @@
               <a:rPr lang="en-US"/>
               <a:t>Fifth level</a:t>
             </a:r>
-          </a:p>
-        </p:txBody>
-      </p:sp>
-      <p:sp>
-        <p:nvSpPr>
-          <p:cNvPr id="7" name="Date Placeholder 6">
-            <a:extLst>
-              <a:ext uri="{FF2B5EF4-FFF2-40B4-BE49-F238E27FC236}">
-                <a16:creationId xmlns:a16="http://schemas.microsoft.com/office/drawing/2014/main" id="{0777D7FF-0E21-57A2-A871-7368576572CB}"/>
-              </a:ext>
-            </a:extLst>
-          </p:cNvPr>
+            <a:endParaRPr lang="en-US" dirty="0"/>
+          </a:p>
+        </p:txBody>
+      </p:sp>
+      <p:sp>
+        <p:nvSpPr>
+          <p:cNvPr id="7" name="Date Placeholder 6"/>
           <p:cNvSpPr>
             <a:spLocks noGrp="1"/>
           </p:cNvSpPr>
@@ -1810,7 +1608,7 @@
           <a:p>
             <a:fld id="{AA589637-903D-D340-A46A-CA09F20C22F5}" type="datetimeFigureOut">
               <a:rPr lang="en-US" smtClean="0"/>
-              <a:t>5/17/25</a:t>
+              <a:t>8/13/25</a:t>
             </a:fld>
             <a:endParaRPr lang="en-US"/>
           </a:p>
@@ -1818,13 +1616,7 @@
       </p:sp>
       <p:sp>
         <p:nvSpPr>
-          <p:cNvPr id="8" name="Footer Placeholder 7">
-            <a:extLst>
-              <a:ext uri="{FF2B5EF4-FFF2-40B4-BE49-F238E27FC236}">
-                <a16:creationId xmlns:a16="http://schemas.microsoft.com/office/drawing/2014/main" id="{141AC3F6-6F59-198A-26FD-C2364FCAD22F}"/>
-              </a:ext>
-            </a:extLst>
-          </p:cNvPr>
+          <p:cNvPr id="8" name="Footer Placeholder 7"/>
           <p:cNvSpPr>
             <a:spLocks noGrp="1"/>
           </p:cNvSpPr>
@@ -1843,13 +1635,7 @@
       </p:sp>
       <p:sp>
         <p:nvSpPr>
-          <p:cNvPr id="9" name="Slide Number Placeholder 8">
-            <a:extLst>
-              <a:ext uri="{FF2B5EF4-FFF2-40B4-BE49-F238E27FC236}">
-                <a16:creationId xmlns:a16="http://schemas.microsoft.com/office/drawing/2014/main" id="{6CD6FAEE-AA8B-0C44-94AA-8141E17D34B7}"/>
-              </a:ext>
-            </a:extLst>
-          </p:cNvPr>
+          <p:cNvPr id="9" name="Slide Number Placeholder 8"/>
           <p:cNvSpPr>
             <a:spLocks noGrp="1"/>
           </p:cNvSpPr>
@@ -1873,7 +1659,7 @@
     </p:spTree>
     <p:extLst>
       <p:ext uri="{BB962C8B-B14F-4D97-AF65-F5344CB8AC3E}">
-        <p14:creationId xmlns:p14="http://schemas.microsoft.com/office/powerpoint/2010/main" val="1934813678"/>
+        <p14:creationId xmlns:p14="http://schemas.microsoft.com/office/powerpoint/2010/main" val="3853315536"/>
       </p:ext>
     </p:extLst>
   </p:cSld>
@@ -1902,13 +1688,7 @@
       </p:grpSpPr>
       <p:sp>
         <p:nvSpPr>
-          <p:cNvPr id="2" name="Title 1">
-            <a:extLst>
-              <a:ext uri="{FF2B5EF4-FFF2-40B4-BE49-F238E27FC236}">
-                <a16:creationId xmlns:a16="http://schemas.microsoft.com/office/drawing/2014/main" id="{316EEDDB-2909-DAD9-8911-0FF7FEA48EF0}"/>
-              </a:ext>
-            </a:extLst>
-          </p:cNvPr>
+          <p:cNvPr id="2" name="Title 1"/>
           <p:cNvSpPr>
             <a:spLocks noGrp="1"/>
           </p:cNvSpPr>
@@ -1925,18 +1705,13 @@
               <a:rPr lang="en-US"/>
               <a:t>Click to edit Master title style</a:t>
             </a:r>
-          </a:p>
-        </p:txBody>
-      </p:sp>
-      <p:sp>
-        <p:nvSpPr>
-          <p:cNvPr id="3" name="Date Placeholder 2">
-            <a:extLst>
-              <a:ext uri="{FF2B5EF4-FFF2-40B4-BE49-F238E27FC236}">
-                <a16:creationId xmlns:a16="http://schemas.microsoft.com/office/drawing/2014/main" id="{60CDA2A1-FAD2-859E-F305-99FFDC9309B5}"/>
-              </a:ext>
-            </a:extLst>
-          </p:cNvPr>
+            <a:endParaRPr lang="en-US" dirty="0"/>
+          </a:p>
+        </p:txBody>
+      </p:sp>
+      <p:sp>
+        <p:nvSpPr>
+          <p:cNvPr id="3" name="Date Placeholder 2"/>
           <p:cNvSpPr>
             <a:spLocks noGrp="1"/>
           </p:cNvSpPr>
@@ -1951,7 +1726,7 @@
           <a:p>
             <a:fld id="{AA589637-903D-D340-A46A-CA09F20C22F5}" type="datetimeFigureOut">
               <a:rPr lang="en-US" smtClean="0"/>
-              <a:t>5/17/25</a:t>
+              <a:t>8/13/25</a:t>
             </a:fld>
             <a:endParaRPr lang="en-US"/>
           </a:p>
@@ -1959,13 +1734,7 @@
       </p:sp>
       <p:sp>
         <p:nvSpPr>
-          <p:cNvPr id="4" name="Footer Placeholder 3">
-            <a:extLst>
-              <a:ext uri="{FF2B5EF4-FFF2-40B4-BE49-F238E27FC236}">
-                <a16:creationId xmlns:a16="http://schemas.microsoft.com/office/drawing/2014/main" id="{E37C53CD-2E24-9134-9A85-2946DEBDAB23}"/>
-              </a:ext>
-            </a:extLst>
-          </p:cNvPr>
+          <p:cNvPr id="4" name="Footer Placeholder 3"/>
           <p:cNvSpPr>
             <a:spLocks noGrp="1"/>
           </p:cNvSpPr>
@@ -1984,13 +1753,7 @@
       </p:sp>
       <p:sp>
         <p:nvSpPr>
-          <p:cNvPr id="5" name="Slide Number Placeholder 4">
-            <a:extLst>
-              <a:ext uri="{FF2B5EF4-FFF2-40B4-BE49-F238E27FC236}">
-                <a16:creationId xmlns:a16="http://schemas.microsoft.com/office/drawing/2014/main" id="{4AB0F576-94CC-8DA2-FBF0-BB9BF51B1FF1}"/>
-              </a:ext>
-            </a:extLst>
-          </p:cNvPr>
+          <p:cNvPr id="5" name="Slide Number Placeholder 4"/>
           <p:cNvSpPr>
             <a:spLocks noGrp="1"/>
           </p:cNvSpPr>
@@ -2014,7 +1777,7 @@
     </p:spTree>
     <p:extLst>
       <p:ext uri="{BB962C8B-B14F-4D97-AF65-F5344CB8AC3E}">
-        <p14:creationId xmlns:p14="http://schemas.microsoft.com/office/powerpoint/2010/main" val="361368074"/>
+        <p14:creationId xmlns:p14="http://schemas.microsoft.com/office/powerpoint/2010/main" val="3752489874"/>
       </p:ext>
     </p:extLst>
   </p:cSld>
@@ -2043,13 +1806,7 @@
       </p:grpSpPr>
       <p:sp>
         <p:nvSpPr>
-          <p:cNvPr id="2" name="Date Placeholder 1">
-            <a:extLst>
-              <a:ext uri="{FF2B5EF4-FFF2-40B4-BE49-F238E27FC236}">
-                <a16:creationId xmlns:a16="http://schemas.microsoft.com/office/drawing/2014/main" id="{2310729B-4B83-21E5-DEAD-28B5B292AD01}"/>
-              </a:ext>
-            </a:extLst>
-          </p:cNvPr>
+          <p:cNvPr id="2" name="Date Placeholder 1"/>
           <p:cNvSpPr>
             <a:spLocks noGrp="1"/>
           </p:cNvSpPr>
@@ -2064,7 +1821,7 @@
           <a:p>
             <a:fld id="{AA589637-903D-D340-A46A-CA09F20C22F5}" type="datetimeFigureOut">
               <a:rPr lang="en-US" smtClean="0"/>
-              <a:t>5/17/25</a:t>
+              <a:t>8/13/25</a:t>
             </a:fld>
             <a:endParaRPr lang="en-US"/>
           </a:p>
@@ -2072,13 +1829,7 @@
       </p:sp>
       <p:sp>
         <p:nvSpPr>
-          <p:cNvPr id="3" name="Footer Placeholder 2">
-            <a:extLst>
-              <a:ext uri="{FF2B5EF4-FFF2-40B4-BE49-F238E27FC236}">
-                <a16:creationId xmlns:a16="http://schemas.microsoft.com/office/drawing/2014/main" id="{355FA4FC-2B54-C389-83BB-DD49F8AB09E2}"/>
-              </a:ext>
-            </a:extLst>
-          </p:cNvPr>
+          <p:cNvPr id="3" name="Footer Placeholder 2"/>
           <p:cNvSpPr>
             <a:spLocks noGrp="1"/>
           </p:cNvSpPr>
@@ -2097,13 +1848,7 @@
       </p:sp>
       <p:sp>
         <p:nvSpPr>
-          <p:cNvPr id="4" name="Slide Number Placeholder 3">
-            <a:extLst>
-              <a:ext uri="{FF2B5EF4-FFF2-40B4-BE49-F238E27FC236}">
-                <a16:creationId xmlns:a16="http://schemas.microsoft.com/office/drawing/2014/main" id="{0F239230-7E24-A1C9-78AD-F12E71CC3B10}"/>
-              </a:ext>
-            </a:extLst>
-          </p:cNvPr>
+          <p:cNvPr id="4" name="Slide Number Placeholder 3"/>
           <p:cNvSpPr>
             <a:spLocks noGrp="1"/>
           </p:cNvSpPr>
@@ -2127,7 +1872,7 @@
     </p:spTree>
     <p:extLst>
       <p:ext uri="{BB962C8B-B14F-4D97-AF65-F5344CB8AC3E}">
-        <p14:creationId xmlns:p14="http://schemas.microsoft.com/office/powerpoint/2010/main" val="931333485"/>
+        <p14:creationId xmlns:p14="http://schemas.microsoft.com/office/powerpoint/2010/main" val="3457191272"/>
       </p:ext>
     </p:extLst>
   </p:cSld>
@@ -2156,13 +1901,7 @@
       </p:grpSpPr>
       <p:sp>
         <p:nvSpPr>
-          <p:cNvPr id="2" name="Title 1">
-            <a:extLst>
-              <a:ext uri="{FF2B5EF4-FFF2-40B4-BE49-F238E27FC236}">
-                <a16:creationId xmlns:a16="http://schemas.microsoft.com/office/drawing/2014/main" id="{A1785A31-E236-E7D8-572F-639020FED712}"/>
-              </a:ext>
-            </a:extLst>
-          </p:cNvPr>
+          <p:cNvPr id="2" name="Title 1"/>
           <p:cNvSpPr>
             <a:spLocks noGrp="1"/>
           </p:cNvSpPr>
@@ -2172,15 +1911,15 @@
         </p:nvSpPr>
         <p:spPr>
           <a:xfrm>
-            <a:off x="839788" y="457200"/>
-            <a:ext cx="3932237" cy="1600200"/>
+            <a:off x="1239891" y="479954"/>
+            <a:ext cx="5805682" cy="1679840"/>
           </a:xfrm>
         </p:spPr>
         <p:txBody>
           <a:bodyPr anchor="b"/>
           <a:lstStyle>
             <a:lvl1pPr>
-              <a:defRPr sz="3200"/>
+              <a:defRPr sz="3359"/>
             </a:lvl1pPr>
           </a:lstStyle>
           <a:p>
@@ -2188,18 +1927,13 @@
               <a:rPr lang="en-US"/>
               <a:t>Click to edit Master title style</a:t>
             </a:r>
-          </a:p>
-        </p:txBody>
-      </p:sp>
-      <p:sp>
-        <p:nvSpPr>
-          <p:cNvPr id="3" name="Content Placeholder 2">
-            <a:extLst>
-              <a:ext uri="{FF2B5EF4-FFF2-40B4-BE49-F238E27FC236}">
-                <a16:creationId xmlns:a16="http://schemas.microsoft.com/office/drawing/2014/main" id="{4D1A46B9-DF12-5C76-FD99-1B1D47AEF2FA}"/>
-              </a:ext>
-            </a:extLst>
-          </p:cNvPr>
+            <a:endParaRPr lang="en-US" dirty="0"/>
+          </a:p>
+        </p:txBody>
+      </p:sp>
+      <p:sp>
+        <p:nvSpPr>
+          <p:cNvPr id="3" name="Content Placeholder 2"/>
           <p:cNvSpPr>
             <a:spLocks noGrp="1"/>
           </p:cNvSpPr>
@@ -2209,39 +1943,39 @@
         </p:nvSpPr>
         <p:spPr>
           <a:xfrm>
-            <a:off x="5183188" y="987425"/>
-            <a:ext cx="6172200" cy="4873625"/>
+            <a:off x="7652626" y="1036569"/>
+            <a:ext cx="9112836" cy="5116178"/>
           </a:xfrm>
         </p:spPr>
         <p:txBody>
           <a:bodyPr/>
           <a:lstStyle>
             <a:lvl1pPr>
-              <a:defRPr sz="3200"/>
+              <a:defRPr sz="3359"/>
             </a:lvl1pPr>
             <a:lvl2pPr>
-              <a:defRPr sz="2800"/>
+              <a:defRPr sz="2939"/>
             </a:lvl2pPr>
             <a:lvl3pPr>
-              <a:defRPr sz="2400"/>
+              <a:defRPr sz="2520"/>
             </a:lvl3pPr>
             <a:lvl4pPr>
-              <a:defRPr sz="2000"/>
+              <a:defRPr sz="2100"/>
             </a:lvl4pPr>
             <a:lvl5pPr>
-              <a:defRPr sz="2000"/>
+              <a:defRPr sz="2100"/>
             </a:lvl5pPr>
             <a:lvl6pPr>
-              <a:defRPr sz="2000"/>
+              <a:defRPr sz="2100"/>
             </a:lvl6pPr>
             <a:lvl7pPr>
-              <a:defRPr sz="2000"/>
+              <a:defRPr sz="2100"/>
             </a:lvl7pPr>
             <a:lvl8pPr>
-              <a:defRPr sz="2000"/>
+              <a:defRPr sz="2100"/>
             </a:lvl8pPr>
             <a:lvl9pPr>
-              <a:defRPr sz="2000"/>
+              <a:defRPr sz="2100"/>
             </a:lvl9pPr>
           </a:lstStyle>
           <a:p>
@@ -2278,18 +2012,13 @@
               <a:rPr lang="en-US"/>
               <a:t>Fifth level</a:t>
             </a:r>
-          </a:p>
-        </p:txBody>
-      </p:sp>
-      <p:sp>
-        <p:nvSpPr>
-          <p:cNvPr id="4" name="Text Placeholder 3">
-            <a:extLst>
-              <a:ext uri="{FF2B5EF4-FFF2-40B4-BE49-F238E27FC236}">
-                <a16:creationId xmlns:a16="http://schemas.microsoft.com/office/drawing/2014/main" id="{76EE3F78-B23F-22D9-F200-336D51F5109D}"/>
-              </a:ext>
-            </a:extLst>
-          </p:cNvPr>
+            <a:endParaRPr lang="en-US" dirty="0"/>
+          </a:p>
+        </p:txBody>
+      </p:sp>
+      <p:sp>
+        <p:nvSpPr>
+          <p:cNvPr id="4" name="Text Placeholder 3"/>
           <p:cNvSpPr>
             <a:spLocks noGrp="1"/>
           </p:cNvSpPr>
@@ -2299,8 +2028,8 @@
         </p:nvSpPr>
         <p:spPr>
           <a:xfrm>
-            <a:off x="839788" y="2057400"/>
-            <a:ext cx="3932237" cy="3811588"/>
+            <a:off x="1239891" y="2159794"/>
+            <a:ext cx="5805682" cy="4001285"/>
           </a:xfrm>
         </p:spPr>
         <p:txBody>
@@ -2308,39 +2037,39 @@
           <a:lstStyle>
             <a:lvl1pPr marL="0" indent="0">
               <a:buNone/>
-              <a:defRPr sz="1600"/>
+              <a:defRPr sz="1680"/>
             </a:lvl1pPr>
-            <a:lvl2pPr marL="457200" indent="0">
-              <a:buNone/>
-              <a:defRPr sz="1400"/>
+            <a:lvl2pPr marL="479969" indent="0">
+              <a:buNone/>
+              <a:defRPr sz="1470"/>
             </a:lvl2pPr>
-            <a:lvl3pPr marL="914400" indent="0">
-              <a:buNone/>
-              <a:defRPr sz="1200"/>
+            <a:lvl3pPr marL="959937" indent="0">
+              <a:buNone/>
+              <a:defRPr sz="1260"/>
             </a:lvl3pPr>
-            <a:lvl4pPr marL="1371600" indent="0">
-              <a:buNone/>
-              <a:defRPr sz="1000"/>
+            <a:lvl4pPr marL="1439906" indent="0">
+              <a:buNone/>
+              <a:defRPr sz="1050"/>
             </a:lvl4pPr>
-            <a:lvl5pPr marL="1828800" indent="0">
-              <a:buNone/>
-              <a:defRPr sz="1000"/>
+            <a:lvl5pPr marL="1919874" indent="0">
+              <a:buNone/>
+              <a:defRPr sz="1050"/>
             </a:lvl5pPr>
-            <a:lvl6pPr marL="2286000" indent="0">
-              <a:buNone/>
-              <a:defRPr sz="1000"/>
+            <a:lvl6pPr marL="2399843" indent="0">
+              <a:buNone/>
+              <a:defRPr sz="1050"/>
             </a:lvl6pPr>
-            <a:lvl7pPr marL="2743200" indent="0">
-              <a:buNone/>
-              <a:defRPr sz="1000"/>
+            <a:lvl7pPr marL="2879811" indent="0">
+              <a:buNone/>
+              <a:defRPr sz="1050"/>
             </a:lvl7pPr>
-            <a:lvl8pPr marL="3200400" indent="0">
-              <a:buNone/>
-              <a:defRPr sz="1000"/>
+            <a:lvl8pPr marL="3359780" indent="0">
+              <a:buNone/>
+              <a:defRPr sz="1050"/>
             </a:lvl8pPr>
-            <a:lvl9pPr marL="3657600" indent="0">
-              <a:buNone/>
-              <a:defRPr sz="1000"/>
+            <a:lvl9pPr marL="3839748" indent="0">
+              <a:buNone/>
+              <a:defRPr sz="1050"/>
             </a:lvl9pPr>
           </a:lstStyle>
           <a:p>
@@ -2354,13 +2083,7 @@
       </p:sp>
       <p:sp>
         <p:nvSpPr>
-          <p:cNvPr id="5" name="Date Placeholder 4">
-            <a:extLst>
-              <a:ext uri="{FF2B5EF4-FFF2-40B4-BE49-F238E27FC236}">
-                <a16:creationId xmlns:a16="http://schemas.microsoft.com/office/drawing/2014/main" id="{BDF703FB-8C74-E729-E628-EB20E273531D}"/>
-              </a:ext>
-            </a:extLst>
-          </p:cNvPr>
+          <p:cNvPr id="5" name="Date Placeholder 4"/>
           <p:cNvSpPr>
             <a:spLocks noGrp="1"/>
           </p:cNvSpPr>
@@ -2375,7 +2098,7 @@
           <a:p>
             <a:fld id="{AA589637-903D-D340-A46A-CA09F20C22F5}" type="datetimeFigureOut">
               <a:rPr lang="en-US" smtClean="0"/>
-              <a:t>5/17/25</a:t>
+              <a:t>8/13/25</a:t>
             </a:fld>
             <a:endParaRPr lang="en-US"/>
           </a:p>
@@ -2383,13 +2106,7 @@
       </p:sp>
       <p:sp>
         <p:nvSpPr>
-          <p:cNvPr id="6" name="Footer Placeholder 5">
-            <a:extLst>
-              <a:ext uri="{FF2B5EF4-FFF2-40B4-BE49-F238E27FC236}">
-                <a16:creationId xmlns:a16="http://schemas.microsoft.com/office/drawing/2014/main" id="{F6A6DDFA-7415-4F71-0F4D-6AF03B552098}"/>
-              </a:ext>
-            </a:extLst>
-          </p:cNvPr>
+          <p:cNvPr id="6" name="Footer Placeholder 5"/>
           <p:cNvSpPr>
             <a:spLocks noGrp="1"/>
           </p:cNvSpPr>
@@ -2408,13 +2125,7 @@
       </p:sp>
       <p:sp>
         <p:nvSpPr>
-          <p:cNvPr id="7" name="Slide Number Placeholder 6">
-            <a:extLst>
-              <a:ext uri="{FF2B5EF4-FFF2-40B4-BE49-F238E27FC236}">
-                <a16:creationId xmlns:a16="http://schemas.microsoft.com/office/drawing/2014/main" id="{FE2ECBCE-C6FD-3EAF-307B-0F59048433BA}"/>
-              </a:ext>
-            </a:extLst>
-          </p:cNvPr>
+          <p:cNvPr id="7" name="Slide Number Placeholder 6"/>
           <p:cNvSpPr>
             <a:spLocks noGrp="1"/>
           </p:cNvSpPr>
@@ -2438,7 +2149,7 @@
     </p:spTree>
     <p:extLst>
       <p:ext uri="{BB962C8B-B14F-4D97-AF65-F5344CB8AC3E}">
-        <p14:creationId xmlns:p14="http://schemas.microsoft.com/office/powerpoint/2010/main" val="579729295"/>
+        <p14:creationId xmlns:p14="http://schemas.microsoft.com/office/powerpoint/2010/main" val="179659152"/>
       </p:ext>
     </p:extLst>
   </p:cSld>
@@ -2467,13 +2178,7 @@
       </p:grpSpPr>
       <p:sp>
         <p:nvSpPr>
-          <p:cNvPr id="2" name="Title 1">
-            <a:extLst>
-              <a:ext uri="{FF2B5EF4-FFF2-40B4-BE49-F238E27FC236}">
-                <a16:creationId xmlns:a16="http://schemas.microsoft.com/office/drawing/2014/main" id="{D13B3E59-834A-004B-F93B-CA85763C8DF5}"/>
-              </a:ext>
-            </a:extLst>
-          </p:cNvPr>
+          <p:cNvPr id="2" name="Title 1"/>
           <p:cNvSpPr>
             <a:spLocks noGrp="1"/>
           </p:cNvSpPr>
@@ -2483,15 +2188,15 @@
         </p:nvSpPr>
         <p:spPr>
           <a:xfrm>
-            <a:off x="839788" y="457200"/>
-            <a:ext cx="3932237" cy="1600200"/>
+            <a:off x="1239891" y="479954"/>
+            <a:ext cx="5805682" cy="1679840"/>
           </a:xfrm>
         </p:spPr>
         <p:txBody>
           <a:bodyPr anchor="b"/>
           <a:lstStyle>
             <a:lvl1pPr>
-              <a:defRPr sz="3200"/>
+              <a:defRPr sz="3359"/>
             </a:lvl1pPr>
           </a:lstStyle>
           <a:p>
@@ -2499,20 +2204,15 @@
               <a:rPr lang="en-US"/>
               <a:t>Click to edit Master title style</a:t>
             </a:r>
-          </a:p>
-        </p:txBody>
-      </p:sp>
-      <p:sp>
-        <p:nvSpPr>
-          <p:cNvPr id="3" name="Picture Placeholder 2">
-            <a:extLst>
-              <a:ext uri="{FF2B5EF4-FFF2-40B4-BE49-F238E27FC236}">
-                <a16:creationId xmlns:a16="http://schemas.microsoft.com/office/drawing/2014/main" id="{9720FA00-539F-19E0-5C3F-219FCB33843E}"/>
-              </a:ext>
-            </a:extLst>
-          </p:cNvPr>
-          <p:cNvSpPr>
-            <a:spLocks noGrp="1"/>
+            <a:endParaRPr lang="en-US" dirty="0"/>
+          </a:p>
+        </p:txBody>
+      </p:sp>
+      <p:sp>
+        <p:nvSpPr>
+          <p:cNvPr id="3" name="Picture Placeholder 2"/>
+          <p:cNvSpPr>
+            <a:spLocks noGrp="1" noChangeAspect="1"/>
           </p:cNvSpPr>
           <p:nvPr>
             <p:ph type="pic" idx="1"/>
@@ -2520,64 +2220,62 @@
         </p:nvSpPr>
         <p:spPr>
           <a:xfrm>
-            <a:off x="5183188" y="987425"/>
-            <a:ext cx="6172200" cy="4873625"/>
+            <a:off x="7652626" y="1036569"/>
+            <a:ext cx="9112836" cy="5116178"/>
           </a:xfrm>
         </p:spPr>
         <p:txBody>
-          <a:bodyPr/>
+          <a:bodyPr anchor="t"/>
           <a:lstStyle>
             <a:lvl1pPr marL="0" indent="0">
               <a:buNone/>
-              <a:defRPr sz="3200"/>
+              <a:defRPr sz="3359"/>
             </a:lvl1pPr>
-            <a:lvl2pPr marL="457200" indent="0">
-              <a:buNone/>
-              <a:defRPr sz="2800"/>
+            <a:lvl2pPr marL="479969" indent="0">
+              <a:buNone/>
+              <a:defRPr sz="2939"/>
             </a:lvl2pPr>
-            <a:lvl3pPr marL="914400" indent="0">
-              <a:buNone/>
-              <a:defRPr sz="2400"/>
+            <a:lvl3pPr marL="959937" indent="0">
+              <a:buNone/>
+              <a:defRPr sz="2520"/>
             </a:lvl3pPr>
-            <a:lvl4pPr marL="1371600" indent="0">
-              <a:buNone/>
-              <a:defRPr sz="2000"/>
+            <a:lvl4pPr marL="1439906" indent="0">
+              <a:buNone/>
+              <a:defRPr sz="2100"/>
             </a:lvl4pPr>
-            <a:lvl5pPr marL="1828800" indent="0">
-              <a:buNone/>
-              <a:defRPr sz="2000"/>
+            <a:lvl5pPr marL="1919874" indent="0">
+              <a:buNone/>
+              <a:defRPr sz="2100"/>
             </a:lvl5pPr>
-            <a:lvl6pPr marL="2286000" indent="0">
-              <a:buNone/>
-              <a:defRPr sz="2000"/>
+            <a:lvl6pPr marL="2399843" indent="0">
+              <a:buNone/>
+              <a:defRPr sz="2100"/>
             </a:lvl6pPr>
-            <a:lvl7pPr marL="2743200" indent="0">
-              <a:buNone/>
-              <a:defRPr sz="2000"/>
+            <a:lvl7pPr marL="2879811" indent="0">
+              <a:buNone/>
+              <a:defRPr sz="2100"/>
             </a:lvl7pPr>
-            <a:lvl8pPr marL="3200400" indent="0">
-              <a:buNone/>
-              <a:defRPr sz="2000"/>
+            <a:lvl8pPr marL="3359780" indent="0">
+              <a:buNone/>
+              <a:defRPr sz="2100"/>
             </a:lvl8pPr>
-            <a:lvl9pPr marL="3657600" indent="0">
-              <a:buNone/>
-              <a:defRPr sz="2000"/>
+            <a:lvl9pPr marL="3839748" indent="0">
+              <a:buNone/>
+              <a:defRPr sz="2100"/>
             </a:lvl9pPr>
           </a:lstStyle>
           <a:p>
-            <a:endParaRPr lang="en-US"/>
-          </a:p>
-        </p:txBody>
-      </p:sp>
-      <p:sp>
-        <p:nvSpPr>
-          <p:cNvPr id="4" name="Text Placeholder 3">
-            <a:extLst>
-              <a:ext uri="{FF2B5EF4-FFF2-40B4-BE49-F238E27FC236}">
-                <a16:creationId xmlns:a16="http://schemas.microsoft.com/office/drawing/2014/main" id="{8DC2B36D-9115-5190-304D-98D187250E2F}"/>
-              </a:ext>
-            </a:extLst>
-          </p:cNvPr>
+            <a:r>
+              <a:rPr lang="en-US"/>
+              <a:t>Click icon to add picture</a:t>
+            </a:r>
+            <a:endParaRPr lang="en-US" dirty="0"/>
+          </a:p>
+        </p:txBody>
+      </p:sp>
+      <p:sp>
+        <p:nvSpPr>
+          <p:cNvPr id="4" name="Text Placeholder 3"/>
           <p:cNvSpPr>
             <a:spLocks noGrp="1"/>
           </p:cNvSpPr>
@@ -2587,8 +2285,8 @@
         </p:nvSpPr>
         <p:spPr>
           <a:xfrm>
-            <a:off x="839788" y="2057400"/>
-            <a:ext cx="3932237" cy="3811588"/>
+            <a:off x="1239891" y="2159794"/>
+            <a:ext cx="5805682" cy="4001285"/>
           </a:xfrm>
         </p:spPr>
         <p:txBody>
@@ -2596,39 +2294,39 @@
           <a:lstStyle>
             <a:lvl1pPr marL="0" indent="0">
               <a:buNone/>
-              <a:defRPr sz="1600"/>
+              <a:defRPr sz="1680"/>
             </a:lvl1pPr>
-            <a:lvl2pPr marL="457200" indent="0">
-              <a:buNone/>
-              <a:defRPr sz="1400"/>
+            <a:lvl2pPr marL="479969" indent="0">
+              <a:buNone/>
+              <a:defRPr sz="1470"/>
             </a:lvl2pPr>
-            <a:lvl3pPr marL="914400" indent="0">
-              <a:buNone/>
-              <a:defRPr sz="1200"/>
+            <a:lvl3pPr marL="959937" indent="0">
+              <a:buNone/>
+              <a:defRPr sz="1260"/>
             </a:lvl3pPr>
-            <a:lvl4pPr marL="1371600" indent="0">
-              <a:buNone/>
-              <a:defRPr sz="1000"/>
+            <a:lvl4pPr marL="1439906" indent="0">
+              <a:buNone/>
+              <a:defRPr sz="1050"/>
             </a:lvl4pPr>
-            <a:lvl5pPr marL="1828800" indent="0">
-              <a:buNone/>
-              <a:defRPr sz="1000"/>
+            <a:lvl5pPr marL="1919874" indent="0">
+              <a:buNone/>
+              <a:defRPr sz="1050"/>
             </a:lvl5pPr>
-            <a:lvl6pPr marL="2286000" indent="0">
-              <a:buNone/>
-              <a:defRPr sz="1000"/>
+            <a:lvl6pPr marL="2399843" indent="0">
+              <a:buNone/>
+              <a:defRPr sz="1050"/>
             </a:lvl6pPr>
-            <a:lvl7pPr marL="2743200" indent="0">
-              <a:buNone/>
-              <a:defRPr sz="1000"/>
+            <a:lvl7pPr marL="2879811" indent="0">
+              <a:buNone/>
+              <a:defRPr sz="1050"/>
             </a:lvl7pPr>
-            <a:lvl8pPr marL="3200400" indent="0">
-              <a:buNone/>
-              <a:defRPr sz="1000"/>
+            <a:lvl8pPr marL="3359780" indent="0">
+              <a:buNone/>
+              <a:defRPr sz="1050"/>
             </a:lvl8pPr>
-            <a:lvl9pPr marL="3657600" indent="0">
-              <a:buNone/>
-              <a:defRPr sz="1000"/>
+            <a:lvl9pPr marL="3839748" indent="0">
+              <a:buNone/>
+              <a:defRPr sz="1050"/>
             </a:lvl9pPr>
           </a:lstStyle>
           <a:p>
@@ -2642,13 +2340,7 @@
       </p:sp>
       <p:sp>
         <p:nvSpPr>
-          <p:cNvPr id="5" name="Date Placeholder 4">
-            <a:extLst>
-              <a:ext uri="{FF2B5EF4-FFF2-40B4-BE49-F238E27FC236}">
-                <a16:creationId xmlns:a16="http://schemas.microsoft.com/office/drawing/2014/main" id="{CECE6C9A-A87D-3ECB-25D7-5C640496B3C2}"/>
-              </a:ext>
-            </a:extLst>
-          </p:cNvPr>
+          <p:cNvPr id="5" name="Date Placeholder 4"/>
           <p:cNvSpPr>
             <a:spLocks noGrp="1"/>
           </p:cNvSpPr>
@@ -2663,7 +2355,7 @@
           <a:p>
             <a:fld id="{AA589637-903D-D340-A46A-CA09F20C22F5}" type="datetimeFigureOut">
               <a:rPr lang="en-US" smtClean="0"/>
-              <a:t>5/17/25</a:t>
+              <a:t>8/13/25</a:t>
             </a:fld>
             <a:endParaRPr lang="en-US"/>
           </a:p>
@@ -2671,13 +2363,7 @@
       </p:sp>
       <p:sp>
         <p:nvSpPr>
-          <p:cNvPr id="6" name="Footer Placeholder 5">
-            <a:extLst>
-              <a:ext uri="{FF2B5EF4-FFF2-40B4-BE49-F238E27FC236}">
-                <a16:creationId xmlns:a16="http://schemas.microsoft.com/office/drawing/2014/main" id="{14AAD574-A2D4-E542-7251-08D85DFCABFA}"/>
-              </a:ext>
-            </a:extLst>
-          </p:cNvPr>
+          <p:cNvPr id="6" name="Footer Placeholder 5"/>
           <p:cNvSpPr>
             <a:spLocks noGrp="1"/>
           </p:cNvSpPr>
@@ -2696,13 +2382,7 @@
       </p:sp>
       <p:sp>
         <p:nvSpPr>
-          <p:cNvPr id="7" name="Slide Number Placeholder 6">
-            <a:extLst>
-              <a:ext uri="{FF2B5EF4-FFF2-40B4-BE49-F238E27FC236}">
-                <a16:creationId xmlns:a16="http://schemas.microsoft.com/office/drawing/2014/main" id="{80C77ACF-861D-1F8A-F6D7-62756E0FBBAD}"/>
-              </a:ext>
-            </a:extLst>
-          </p:cNvPr>
+          <p:cNvPr id="7" name="Slide Number Placeholder 6"/>
           <p:cNvSpPr>
             <a:spLocks noGrp="1"/>
           </p:cNvSpPr>
@@ -2726,7 +2406,7 @@
     </p:spTree>
     <p:extLst>
       <p:ext uri="{BB962C8B-B14F-4D97-AF65-F5344CB8AC3E}">
-        <p14:creationId xmlns:p14="http://schemas.microsoft.com/office/powerpoint/2010/main" val="60549990"/>
+        <p14:creationId xmlns:p14="http://schemas.microsoft.com/office/powerpoint/2010/main" val="797034843"/>
       </p:ext>
     </p:extLst>
   </p:cSld>
@@ -2760,13 +2440,7 @@
       </p:grpSpPr>
       <p:sp>
         <p:nvSpPr>
-          <p:cNvPr id="2" name="Title Placeholder 1">
-            <a:extLst>
-              <a:ext uri="{FF2B5EF4-FFF2-40B4-BE49-F238E27FC236}">
-                <a16:creationId xmlns:a16="http://schemas.microsoft.com/office/drawing/2014/main" id="{03635E7E-56E0-15AB-1FF8-D9BE3EB142F9}"/>
-              </a:ext>
-            </a:extLst>
-          </p:cNvPr>
+          <p:cNvPr id="2" name="Title Placeholder 1"/>
           <p:cNvSpPr>
             <a:spLocks noGrp="1"/>
           </p:cNvSpPr>
@@ -2776,8 +2450,8 @@
         </p:nvSpPr>
         <p:spPr>
           <a:xfrm>
-            <a:off x="838200" y="365125"/>
-            <a:ext cx="10515600" cy="1325563"/>
+            <a:off x="1237546" y="383297"/>
+            <a:ext cx="15525572" cy="1391534"/>
           </a:xfrm>
           <a:prstGeom prst="rect">
             <a:avLst/>
@@ -2793,18 +2467,13 @@
               <a:rPr lang="en-US"/>
               <a:t>Click to edit Master title style</a:t>
             </a:r>
-          </a:p>
-        </p:txBody>
-      </p:sp>
-      <p:sp>
-        <p:nvSpPr>
-          <p:cNvPr id="3" name="Text Placeholder 2">
-            <a:extLst>
-              <a:ext uri="{FF2B5EF4-FFF2-40B4-BE49-F238E27FC236}">
-                <a16:creationId xmlns:a16="http://schemas.microsoft.com/office/drawing/2014/main" id="{14435C71-1797-DCDF-2DBF-351895C5E67F}"/>
-              </a:ext>
-            </a:extLst>
-          </p:cNvPr>
+            <a:endParaRPr lang="en-US" dirty="0"/>
+          </a:p>
+        </p:txBody>
+      </p:sp>
+      <p:sp>
+        <p:nvSpPr>
+          <p:cNvPr id="3" name="Text Placeholder 2"/>
           <p:cNvSpPr>
             <a:spLocks noGrp="1"/>
           </p:cNvSpPr>
@@ -2814,8 +2483,8 @@
         </p:nvSpPr>
         <p:spPr>
           <a:xfrm>
-            <a:off x="838200" y="1825625"/>
-            <a:ext cx="10515600" cy="4351338"/>
+            <a:off x="1237546" y="1916484"/>
+            <a:ext cx="15525572" cy="4567898"/>
           </a:xfrm>
           <a:prstGeom prst="rect">
             <a:avLst/>
@@ -2860,18 +2529,13 @@
               <a:rPr lang="en-US"/>
               <a:t>Fifth level</a:t>
             </a:r>
-          </a:p>
-        </p:txBody>
-      </p:sp>
-      <p:sp>
-        <p:nvSpPr>
-          <p:cNvPr id="4" name="Date Placeholder 3">
-            <a:extLst>
-              <a:ext uri="{FF2B5EF4-FFF2-40B4-BE49-F238E27FC236}">
-                <a16:creationId xmlns:a16="http://schemas.microsoft.com/office/drawing/2014/main" id="{9F954355-0149-DCBC-D50F-EBD9225A0A44}"/>
-              </a:ext>
-            </a:extLst>
-          </p:cNvPr>
+            <a:endParaRPr lang="en-US" dirty="0"/>
+          </a:p>
+        </p:txBody>
+      </p:sp>
+      <p:sp>
+        <p:nvSpPr>
+          <p:cNvPr id="4" name="Date Placeholder 3"/>
           <p:cNvSpPr>
             <a:spLocks noGrp="1"/>
           </p:cNvSpPr>
@@ -2881,8 +2545,8 @@
         </p:nvSpPr>
         <p:spPr>
           <a:xfrm>
-            <a:off x="838200" y="6356350"/>
-            <a:ext cx="2743200" cy="365125"/>
+            <a:off x="1237546" y="6672697"/>
+            <a:ext cx="4050149" cy="383297"/>
           </a:xfrm>
           <a:prstGeom prst="rect">
             <a:avLst/>
@@ -2892,7 +2556,7 @@
           <a:bodyPr vert="horz" lIns="91440" tIns="45720" rIns="91440" bIns="45720" rtlCol="0" anchor="ctr"/>
           <a:lstStyle>
             <a:lvl1pPr algn="l">
-              <a:defRPr sz="1200">
+              <a:defRPr sz="1260">
                 <a:solidFill>
                   <a:schemeClr val="tx1">
                     <a:tint val="82000"/>
@@ -2904,7 +2568,7 @@
           <a:p>
             <a:fld id="{AA589637-903D-D340-A46A-CA09F20C22F5}" type="datetimeFigureOut">
               <a:rPr lang="en-US" smtClean="0"/>
-              <a:t>5/17/25</a:t>
+              <a:t>8/13/25</a:t>
             </a:fld>
             <a:endParaRPr lang="en-US"/>
           </a:p>
@@ -2912,13 +2576,7 @@
       </p:sp>
       <p:sp>
         <p:nvSpPr>
-          <p:cNvPr id="5" name="Footer Placeholder 4">
-            <a:extLst>
-              <a:ext uri="{FF2B5EF4-FFF2-40B4-BE49-F238E27FC236}">
-                <a16:creationId xmlns:a16="http://schemas.microsoft.com/office/drawing/2014/main" id="{B9704429-8DC8-6246-E11D-84C644A36EE0}"/>
-              </a:ext>
-            </a:extLst>
-          </p:cNvPr>
+          <p:cNvPr id="5" name="Footer Placeholder 4"/>
           <p:cNvSpPr>
             <a:spLocks noGrp="1"/>
           </p:cNvSpPr>
@@ -2928,8 +2586,8 @@
         </p:nvSpPr>
         <p:spPr>
           <a:xfrm>
-            <a:off x="4038600" y="6356350"/>
-            <a:ext cx="4114800" cy="365125"/>
+            <a:off x="5962720" y="6672697"/>
+            <a:ext cx="6075224" cy="383297"/>
           </a:xfrm>
           <a:prstGeom prst="rect">
             <a:avLst/>
@@ -2939,7 +2597,7 @@
           <a:bodyPr vert="horz" lIns="91440" tIns="45720" rIns="91440" bIns="45720" rtlCol="0" anchor="ctr"/>
           <a:lstStyle>
             <a:lvl1pPr algn="ctr">
-              <a:defRPr sz="1200">
+              <a:defRPr sz="1260">
                 <a:solidFill>
                   <a:schemeClr val="tx1">
                     <a:tint val="82000"/>
@@ -2955,13 +2613,7 @@
       </p:sp>
       <p:sp>
         <p:nvSpPr>
-          <p:cNvPr id="6" name="Slide Number Placeholder 5">
-            <a:extLst>
-              <a:ext uri="{FF2B5EF4-FFF2-40B4-BE49-F238E27FC236}">
-                <a16:creationId xmlns:a16="http://schemas.microsoft.com/office/drawing/2014/main" id="{86EC7471-90D2-C6BB-0C0B-B1A541B4D88C}"/>
-              </a:ext>
-            </a:extLst>
-          </p:cNvPr>
+          <p:cNvPr id="6" name="Slide Number Placeholder 5"/>
           <p:cNvSpPr>
             <a:spLocks noGrp="1"/>
           </p:cNvSpPr>
@@ -2971,8 +2623,8 @@
         </p:nvSpPr>
         <p:spPr>
           <a:xfrm>
-            <a:off x="8610600" y="6356350"/>
-            <a:ext cx="2743200" cy="365125"/>
+            <a:off x="12712968" y="6672697"/>
+            <a:ext cx="4050149" cy="383297"/>
           </a:xfrm>
           <a:prstGeom prst="rect">
             <a:avLst/>
@@ -2982,7 +2634,7 @@
           <a:bodyPr vert="horz" lIns="91440" tIns="45720" rIns="91440" bIns="45720" rtlCol="0" anchor="ctr"/>
           <a:lstStyle>
             <a:lvl1pPr algn="r">
-              <a:defRPr sz="1200">
+              <a:defRPr sz="1260">
                 <a:solidFill>
                   <a:schemeClr val="tx1">
                     <a:tint val="82000"/>
@@ -3003,27 +2655,27 @@
     </p:spTree>
     <p:extLst>
       <p:ext uri="{BB962C8B-B14F-4D97-AF65-F5344CB8AC3E}">
-        <p14:creationId xmlns:p14="http://schemas.microsoft.com/office/powerpoint/2010/main" val="3697790756"/>
+        <p14:creationId xmlns:p14="http://schemas.microsoft.com/office/powerpoint/2010/main" val="1886792257"/>
       </p:ext>
     </p:extLst>
   </p:cSld>
   <p:clrMap bg1="lt1" tx1="dk1" bg2="lt2" tx2="dk2" accent1="accent1" accent2="accent2" accent3="accent3" accent4="accent4" accent5="accent5" accent6="accent6" hlink="hlink" folHlink="folHlink"/>
   <p:sldLayoutIdLst>
-    <p:sldLayoutId id="2147483649" r:id="rId1"/>
-    <p:sldLayoutId id="2147483650" r:id="rId2"/>
-    <p:sldLayoutId id="2147483651" r:id="rId3"/>
-    <p:sldLayoutId id="2147483652" r:id="rId4"/>
-    <p:sldLayoutId id="2147483653" r:id="rId5"/>
-    <p:sldLayoutId id="2147483654" r:id="rId6"/>
-    <p:sldLayoutId id="2147483655" r:id="rId7"/>
-    <p:sldLayoutId id="2147483656" r:id="rId8"/>
-    <p:sldLayoutId id="2147483657" r:id="rId9"/>
-    <p:sldLayoutId id="2147483658" r:id="rId10"/>
-    <p:sldLayoutId id="2147483659" r:id="rId11"/>
+    <p:sldLayoutId id="2147483661" r:id="rId1"/>
+    <p:sldLayoutId id="2147483662" r:id="rId2"/>
+    <p:sldLayoutId id="2147483663" r:id="rId3"/>
+    <p:sldLayoutId id="2147483664" r:id="rId4"/>
+    <p:sldLayoutId id="2147483665" r:id="rId5"/>
+    <p:sldLayoutId id="2147483666" r:id="rId6"/>
+    <p:sldLayoutId id="2147483667" r:id="rId7"/>
+    <p:sldLayoutId id="2147483668" r:id="rId8"/>
+    <p:sldLayoutId id="2147483669" r:id="rId9"/>
+    <p:sldLayoutId id="2147483670" r:id="rId10"/>
+    <p:sldLayoutId id="2147483671" r:id="rId11"/>
   </p:sldLayoutIdLst>
   <p:txStyles>
     <p:titleStyle>
-      <a:lvl1pPr algn="l" defTabSz="914400" rtl="0" eaLnBrk="1" latinLnBrk="0" hangingPunct="1">
+      <a:lvl1pPr algn="l" defTabSz="959937" rtl="0" eaLnBrk="1" latinLnBrk="0" hangingPunct="1">
         <a:lnSpc>
           <a:spcPct val="90000"/>
         </a:lnSpc>
@@ -3031,7 +2683,7 @@
           <a:spcPct val="0"/>
         </a:spcBef>
         <a:buNone/>
-        <a:defRPr sz="4400" kern="1200">
+        <a:defRPr sz="4619" kern="1200">
           <a:solidFill>
             <a:schemeClr val="tx1"/>
           </a:solidFill>
@@ -3042,16 +2694,16 @@
       </a:lvl1pPr>
     </p:titleStyle>
     <p:bodyStyle>
-      <a:lvl1pPr marL="228600" indent="-228600" algn="l" defTabSz="914400" rtl="0" eaLnBrk="1" latinLnBrk="0" hangingPunct="1">
+      <a:lvl1pPr marL="239984" indent="-239984" algn="l" defTabSz="959937" rtl="0" eaLnBrk="1" latinLnBrk="0" hangingPunct="1">
         <a:lnSpc>
           <a:spcPct val="90000"/>
         </a:lnSpc>
         <a:spcBef>
-          <a:spcPts val="1000"/>
+          <a:spcPts val="1050"/>
         </a:spcBef>
         <a:buFont typeface="Arial" panose="020B0604020202020204" pitchFamily="34" charset="0"/>
         <a:buChar char="•"/>
-        <a:defRPr sz="2800" kern="1200">
+        <a:defRPr sz="2939" kern="1200">
           <a:solidFill>
             <a:schemeClr val="tx1"/>
           </a:solidFill>
@@ -3060,16 +2712,16 @@
           <a:cs typeface="+mn-cs"/>
         </a:defRPr>
       </a:lvl1pPr>
-      <a:lvl2pPr marL="685800" indent="-228600" algn="l" defTabSz="914400" rtl="0" eaLnBrk="1" latinLnBrk="0" hangingPunct="1">
+      <a:lvl2pPr marL="719953" indent="-239984" algn="l" defTabSz="959937" rtl="0" eaLnBrk="1" latinLnBrk="0" hangingPunct="1">
         <a:lnSpc>
           <a:spcPct val="90000"/>
         </a:lnSpc>
         <a:spcBef>
-          <a:spcPts val="500"/>
+          <a:spcPts val="525"/>
         </a:spcBef>
         <a:buFont typeface="Arial" panose="020B0604020202020204" pitchFamily="34" charset="0"/>
         <a:buChar char="•"/>
-        <a:defRPr sz="2400" kern="1200">
+        <a:defRPr sz="2520" kern="1200">
           <a:solidFill>
             <a:schemeClr val="tx1"/>
           </a:solidFill>
@@ -3078,16 +2730,16 @@
           <a:cs typeface="+mn-cs"/>
         </a:defRPr>
       </a:lvl2pPr>
-      <a:lvl3pPr marL="1143000" indent="-228600" algn="l" defTabSz="914400" rtl="0" eaLnBrk="1" latinLnBrk="0" hangingPunct="1">
+      <a:lvl3pPr marL="1199921" indent="-239984" algn="l" defTabSz="959937" rtl="0" eaLnBrk="1" latinLnBrk="0" hangingPunct="1">
         <a:lnSpc>
           <a:spcPct val="90000"/>
         </a:lnSpc>
         <a:spcBef>
-          <a:spcPts val="500"/>
+          <a:spcPts val="525"/>
         </a:spcBef>
         <a:buFont typeface="Arial" panose="020B0604020202020204" pitchFamily="34" charset="0"/>
         <a:buChar char="•"/>
-        <a:defRPr sz="2000" kern="1200">
+        <a:defRPr sz="2100" kern="1200">
           <a:solidFill>
             <a:schemeClr val="tx1"/>
           </a:solidFill>
@@ -3096,16 +2748,16 @@
           <a:cs typeface="+mn-cs"/>
         </a:defRPr>
       </a:lvl3pPr>
-      <a:lvl4pPr marL="1600200" indent="-228600" algn="l" defTabSz="914400" rtl="0" eaLnBrk="1" latinLnBrk="0" hangingPunct="1">
+      <a:lvl4pPr marL="1679890" indent="-239984" algn="l" defTabSz="959937" rtl="0" eaLnBrk="1" latinLnBrk="0" hangingPunct="1">
         <a:lnSpc>
           <a:spcPct val="90000"/>
         </a:lnSpc>
         <a:spcBef>
-          <a:spcPts val="500"/>
+          <a:spcPts val="525"/>
         </a:spcBef>
         <a:buFont typeface="Arial" panose="020B0604020202020204" pitchFamily="34" charset="0"/>
         <a:buChar char="•"/>
-        <a:defRPr sz="1800" kern="1200">
+        <a:defRPr sz="1890" kern="1200">
           <a:solidFill>
             <a:schemeClr val="tx1"/>
           </a:solidFill>
@@ -3114,16 +2766,16 @@
           <a:cs typeface="+mn-cs"/>
         </a:defRPr>
       </a:lvl4pPr>
-      <a:lvl5pPr marL="2057400" indent="-228600" algn="l" defTabSz="914400" rtl="0" eaLnBrk="1" latinLnBrk="0" hangingPunct="1">
+      <a:lvl5pPr marL="2159859" indent="-239984" algn="l" defTabSz="959937" rtl="0" eaLnBrk="1" latinLnBrk="0" hangingPunct="1">
         <a:lnSpc>
           <a:spcPct val="90000"/>
         </a:lnSpc>
         <a:spcBef>
-          <a:spcPts val="500"/>
+          <a:spcPts val="525"/>
         </a:spcBef>
         <a:buFont typeface="Arial" panose="020B0604020202020204" pitchFamily="34" charset="0"/>
         <a:buChar char="•"/>
-        <a:defRPr sz="1800" kern="1200">
+        <a:defRPr sz="1890" kern="1200">
           <a:solidFill>
             <a:schemeClr val="tx1"/>
           </a:solidFill>
@@ -3132,16 +2784,16 @@
           <a:cs typeface="+mn-cs"/>
         </a:defRPr>
       </a:lvl5pPr>
-      <a:lvl6pPr marL="2514600" indent="-228600" algn="l" defTabSz="914400" rtl="0" eaLnBrk="1" latinLnBrk="0" hangingPunct="1">
+      <a:lvl6pPr marL="2639827" indent="-239984" algn="l" defTabSz="959937" rtl="0" eaLnBrk="1" latinLnBrk="0" hangingPunct="1">
         <a:lnSpc>
           <a:spcPct val="90000"/>
         </a:lnSpc>
         <a:spcBef>
-          <a:spcPts val="500"/>
+          <a:spcPts val="525"/>
         </a:spcBef>
         <a:buFont typeface="Arial" panose="020B0604020202020204" pitchFamily="34" charset="0"/>
         <a:buChar char="•"/>
-        <a:defRPr sz="1800" kern="1200">
+        <a:defRPr sz="1890" kern="1200">
           <a:solidFill>
             <a:schemeClr val="tx1"/>
           </a:solidFill>
@@ -3150,16 +2802,16 @@
           <a:cs typeface="+mn-cs"/>
         </a:defRPr>
       </a:lvl6pPr>
-      <a:lvl7pPr marL="2971800" indent="-228600" algn="l" defTabSz="914400" rtl="0" eaLnBrk="1" latinLnBrk="0" hangingPunct="1">
+      <a:lvl7pPr marL="3119796" indent="-239984" algn="l" defTabSz="959937" rtl="0" eaLnBrk="1" latinLnBrk="0" hangingPunct="1">
         <a:lnSpc>
           <a:spcPct val="90000"/>
         </a:lnSpc>
         <a:spcBef>
-          <a:spcPts val="500"/>
+          <a:spcPts val="525"/>
         </a:spcBef>
         <a:buFont typeface="Arial" panose="020B0604020202020204" pitchFamily="34" charset="0"/>
         <a:buChar char="•"/>
-        <a:defRPr sz="1800" kern="1200">
+        <a:defRPr sz="1890" kern="1200">
           <a:solidFill>
             <a:schemeClr val="tx1"/>
           </a:solidFill>
@@ -3168,16 +2820,16 @@
           <a:cs typeface="+mn-cs"/>
         </a:defRPr>
       </a:lvl7pPr>
-      <a:lvl8pPr marL="3429000" indent="-228600" algn="l" defTabSz="914400" rtl="0" eaLnBrk="1" latinLnBrk="0" hangingPunct="1">
+      <a:lvl8pPr marL="3599764" indent="-239984" algn="l" defTabSz="959937" rtl="0" eaLnBrk="1" latinLnBrk="0" hangingPunct="1">
         <a:lnSpc>
           <a:spcPct val="90000"/>
         </a:lnSpc>
         <a:spcBef>
-          <a:spcPts val="500"/>
+          <a:spcPts val="525"/>
         </a:spcBef>
         <a:buFont typeface="Arial" panose="020B0604020202020204" pitchFamily="34" charset="0"/>
         <a:buChar char="•"/>
-        <a:defRPr sz="1800" kern="1200">
+        <a:defRPr sz="1890" kern="1200">
           <a:solidFill>
             <a:schemeClr val="tx1"/>
           </a:solidFill>
@@ -3186,16 +2838,16 @@
           <a:cs typeface="+mn-cs"/>
         </a:defRPr>
       </a:lvl8pPr>
-      <a:lvl9pPr marL="3886200" indent="-228600" algn="l" defTabSz="914400" rtl="0" eaLnBrk="1" latinLnBrk="0" hangingPunct="1">
+      <a:lvl9pPr marL="4079733" indent="-239984" algn="l" defTabSz="959937" rtl="0" eaLnBrk="1" latinLnBrk="0" hangingPunct="1">
         <a:lnSpc>
           <a:spcPct val="90000"/>
         </a:lnSpc>
         <a:spcBef>
-          <a:spcPts val="500"/>
+          <a:spcPts val="525"/>
         </a:spcBef>
         <a:buFont typeface="Arial" panose="020B0604020202020204" pitchFamily="34" charset="0"/>
         <a:buChar char="•"/>
-        <a:defRPr sz="1800" kern="1200">
+        <a:defRPr sz="1890" kern="1200">
           <a:solidFill>
             <a:schemeClr val="tx1"/>
           </a:solidFill>
@@ -3209,8 +2861,8 @@
       <a:defPPr>
         <a:defRPr lang="en-US"/>
       </a:defPPr>
-      <a:lvl1pPr marL="0" algn="l" defTabSz="914400" rtl="0" eaLnBrk="1" latinLnBrk="0" hangingPunct="1">
-        <a:defRPr sz="1800" kern="1200">
+      <a:lvl1pPr marL="0" algn="l" defTabSz="959937" rtl="0" eaLnBrk="1" latinLnBrk="0" hangingPunct="1">
+        <a:defRPr sz="1890" kern="1200">
           <a:solidFill>
             <a:schemeClr val="tx1"/>
           </a:solidFill>
@@ -3219,8 +2871,8 @@
           <a:cs typeface="+mn-cs"/>
         </a:defRPr>
       </a:lvl1pPr>
-      <a:lvl2pPr marL="457200" algn="l" defTabSz="914400" rtl="0" eaLnBrk="1" latinLnBrk="0" hangingPunct="1">
-        <a:defRPr sz="1800" kern="1200">
+      <a:lvl2pPr marL="479969" algn="l" defTabSz="959937" rtl="0" eaLnBrk="1" latinLnBrk="0" hangingPunct="1">
+        <a:defRPr sz="1890" kern="1200">
           <a:solidFill>
             <a:schemeClr val="tx1"/>
           </a:solidFill>
@@ -3229,8 +2881,8 @@
           <a:cs typeface="+mn-cs"/>
         </a:defRPr>
       </a:lvl2pPr>
-      <a:lvl3pPr marL="914400" algn="l" defTabSz="914400" rtl="0" eaLnBrk="1" latinLnBrk="0" hangingPunct="1">
-        <a:defRPr sz="1800" kern="1200">
+      <a:lvl3pPr marL="959937" algn="l" defTabSz="959937" rtl="0" eaLnBrk="1" latinLnBrk="0" hangingPunct="1">
+        <a:defRPr sz="1890" kern="1200">
           <a:solidFill>
             <a:schemeClr val="tx1"/>
           </a:solidFill>
@@ -3239,8 +2891,8 @@
           <a:cs typeface="+mn-cs"/>
         </a:defRPr>
       </a:lvl3pPr>
-      <a:lvl4pPr marL="1371600" algn="l" defTabSz="914400" rtl="0" eaLnBrk="1" latinLnBrk="0" hangingPunct="1">
-        <a:defRPr sz="1800" kern="1200">
+      <a:lvl4pPr marL="1439906" algn="l" defTabSz="959937" rtl="0" eaLnBrk="1" latinLnBrk="0" hangingPunct="1">
+        <a:defRPr sz="1890" kern="1200">
           <a:solidFill>
             <a:schemeClr val="tx1"/>
           </a:solidFill>
@@ -3249,8 +2901,8 @@
           <a:cs typeface="+mn-cs"/>
         </a:defRPr>
       </a:lvl4pPr>
-      <a:lvl5pPr marL="1828800" algn="l" defTabSz="914400" rtl="0" eaLnBrk="1" latinLnBrk="0" hangingPunct="1">
-        <a:defRPr sz="1800" kern="1200">
+      <a:lvl5pPr marL="1919874" algn="l" defTabSz="959937" rtl="0" eaLnBrk="1" latinLnBrk="0" hangingPunct="1">
+        <a:defRPr sz="1890" kern="1200">
           <a:solidFill>
             <a:schemeClr val="tx1"/>
           </a:solidFill>
@@ -3259,8 +2911,8 @@
           <a:cs typeface="+mn-cs"/>
         </a:defRPr>
       </a:lvl5pPr>
-      <a:lvl6pPr marL="2286000" algn="l" defTabSz="914400" rtl="0" eaLnBrk="1" latinLnBrk="0" hangingPunct="1">
-        <a:defRPr sz="1800" kern="1200">
+      <a:lvl6pPr marL="2399843" algn="l" defTabSz="959937" rtl="0" eaLnBrk="1" latinLnBrk="0" hangingPunct="1">
+        <a:defRPr sz="1890" kern="1200">
           <a:solidFill>
             <a:schemeClr val="tx1"/>
           </a:solidFill>
@@ -3269,8 +2921,8 @@
           <a:cs typeface="+mn-cs"/>
         </a:defRPr>
       </a:lvl6pPr>
-      <a:lvl7pPr marL="2743200" algn="l" defTabSz="914400" rtl="0" eaLnBrk="1" latinLnBrk="0" hangingPunct="1">
-        <a:defRPr sz="1800" kern="1200">
+      <a:lvl7pPr marL="2879811" algn="l" defTabSz="959937" rtl="0" eaLnBrk="1" latinLnBrk="0" hangingPunct="1">
+        <a:defRPr sz="1890" kern="1200">
           <a:solidFill>
             <a:schemeClr val="tx1"/>
           </a:solidFill>
@@ -3279,8 +2931,8 @@
           <a:cs typeface="+mn-cs"/>
         </a:defRPr>
       </a:lvl7pPr>
-      <a:lvl8pPr marL="3200400" algn="l" defTabSz="914400" rtl="0" eaLnBrk="1" latinLnBrk="0" hangingPunct="1">
-        <a:defRPr sz="1800" kern="1200">
+      <a:lvl8pPr marL="3359780" algn="l" defTabSz="959937" rtl="0" eaLnBrk="1" latinLnBrk="0" hangingPunct="1">
+        <a:defRPr sz="1890" kern="1200">
           <a:solidFill>
             <a:schemeClr val="tx1"/>
           </a:solidFill>
@@ -3289,8 +2941,8 @@
           <a:cs typeface="+mn-cs"/>
         </a:defRPr>
       </a:lvl8pPr>
-      <a:lvl9pPr marL="3657600" algn="l" defTabSz="914400" rtl="0" eaLnBrk="1" latinLnBrk="0" hangingPunct="1">
-        <a:defRPr sz="1800" kern="1200">
+      <a:lvl9pPr marL="3839748" algn="l" defTabSz="959937" rtl="0" eaLnBrk="1" latinLnBrk="0" hangingPunct="1">
+        <a:defRPr sz="1890" kern="1200">
           <a:solidFill>
             <a:schemeClr val="tx1"/>
           </a:solidFill>
@@ -3335,7 +2987,7 @@
         </p:nvSpPr>
         <p:spPr>
           <a:xfrm rot="2700000">
-            <a:off x="1502858" y="2633607"/>
+            <a:off x="4407190" y="2804264"/>
             <a:ext cx="1237967" cy="1237967"/>
           </a:xfrm>
           <a:prstGeom prst="rect">
@@ -3389,7 +3041,7 @@
         </p:nvSpPr>
         <p:spPr>
           <a:xfrm rot="2704484">
-            <a:off x="1807018" y="3215817"/>
+            <a:off x="4711350" y="3386474"/>
             <a:ext cx="629645" cy="629645"/>
           </a:xfrm>
           <a:prstGeom prst="rect">
@@ -3447,7 +3099,7 @@
         </p:nvSpPr>
         <p:spPr>
           <a:xfrm>
-            <a:off x="3427793" y="2529315"/>
+            <a:off x="6332125" y="2699971"/>
             <a:ext cx="7713971" cy="1446550"/>
           </a:xfrm>
           <a:prstGeom prst="rect">
@@ -3456,7 +3108,7 @@
           <a:noFill/>
         </p:spPr>
         <p:txBody>
-          <a:bodyPr wrap="none" rtlCol="0">
+          <a:bodyPr wrap="square" rtlCol="0">
             <a:spAutoFit/>
           </a:bodyPr>
           <a:lstStyle/>
@@ -3489,7 +3141,7 @@
 <file path=ppt/theme/theme1.xml><?xml version="1.0" encoding="utf-8"?>
 <a:theme xmlns:a="http://schemas.openxmlformats.org/drawingml/2006/main" name="Office Theme">
   <a:themeElements>
-    <a:clrScheme name="Office">
+    <a:clrScheme name="Office Theme">
       <a:dk1>
         <a:sysClr val="windowText" lastClr="000000"/>
       </a:dk1>
@@ -3527,7 +3179,7 @@
         <a:srgbClr val="96607D"/>
       </a:folHlink>
     </a:clrScheme>
-    <a:fontScheme name="Office">
+    <a:fontScheme name="Office Theme">
       <a:majorFont>
         <a:latin typeface="Aptos Display" panose="02110004020202020204"/>
         <a:ea typeface=""/>
@@ -3633,7 +3285,7 @@
         <a:font script="Tfng" typeface="Ebrima"/>
       </a:minorFont>
     </a:fontScheme>
-    <a:fmtScheme name="Office">
+    <a:fmtScheme name="Office Theme">
       <a:fillStyleLst>
         <a:solidFill>
           <a:schemeClr val="phClr"/>
